--- a/Poster.pptx
+++ b/Poster.pptx
@@ -5446,13 +5446,13 @@
             </a:lvl9pPr>
           </a:lstStyle>
           <a:p>
-            <a:pPr defTabSz="1738498" eaLnBrk="1" hangingPunct="1">
+            <a:pPr algn="ctr" defTabSz="1738498" eaLnBrk="1" hangingPunct="1">
               <a:defRPr/>
             </a:pPr>
             <a:r>
-              <a:rPr lang="en-US" sz="4400" b="1">
-                <a:solidFill>
-                  <a:schemeClr val="bg1"/>
+              <a:rPr lang="en-US" sz="4400" b="1" dirty="0">
+                <a:solidFill>
+                  <a:srgbClr val="FF0000"/>
                 </a:solidFill>
                 <a:latin typeface="Arial" charset="0"/>
                 <a:cs typeface="Arial" charset="0"/>
@@ -5472,7 +5472,7 @@
         </p:nvSpPr>
         <p:spPr bwMode="auto">
           <a:xfrm>
-            <a:off x="805893" y="33475792"/>
+            <a:off x="1010401" y="33520040"/>
             <a:ext cx="7604682" cy="3086223"/>
           </a:xfrm>
           <a:prstGeom prst="rect">
@@ -7059,11 +7059,7 @@
             </a:r>
             <a:r>
               <a:rPr lang="en-US" sz="3300" i="1" dirty="0" smtClean="0"/>
-              <a:t>f(</a:t>
-            </a:r>
-            <a:r>
-              <a:rPr lang="en-US" sz="3300" i="1" dirty="0" smtClean="0"/>
-              <a:t>a</a:t>
+              <a:t>f(a</a:t>
             </a:r>
             <a:r>
               <a:rPr lang="en-US" sz="3300" i="1" baseline="-25000" dirty="0" smtClean="0"/>

--- a/Poster.pptx
+++ b/Poster.pptx
@@ -812,15 +812,15 @@
             <a:tailEnd/>
           </a:ln>
           <a:extLst>
-            <a:ext uri="{909E8E84-426E-40DD-AFC4-6F175D3DCCD1}">
-              <a14:hiddenFill xmlns:a14="http://schemas.microsoft.com/office/drawing/2010/main">
-                <a:solidFill>
-                  <a:srgbClr val="FFFFFF"/>
-                </a:solidFill>
-              </a14:hiddenFill>
-            </a:ext>
             <a:ext uri="{FAA26D3D-D897-4be2-8F04-BA451C77F1D7}">
               <ma14:placeholderFlag xmlns:ma14="http://schemas.microsoft.com/office/mac/drawingml/2011/main" val="1"/>
+            </a:ext>
+            <a:ext uri="{909E8E84-426E-40dd-AFC4-6F175D3DCCD1}">
+              <a14:hiddenFill xmlns:a14="http://schemas.microsoft.com/office/drawing/2010/main" xmlns="">
+                <a:solidFill>
+                  <a:srgbClr val="FFFFFF"/>
+                </a:solidFill>
+              </a14:hiddenFill>
             </a:ext>
           </a:extLst>
         </p:spPr>
@@ -838,15 +838,18 @@
         <p:spPr bwMode="auto">
           <a:noFill/>
           <a:extLst>
-            <a:ext uri="{909E8E84-426E-40DD-AFC4-6F175D3DCCD1}">
-              <a14:hiddenFill xmlns:a14="http://schemas.microsoft.com/office/drawing/2010/main">
+            <a:ext uri="{FAA26D3D-D897-4be2-8F04-BA451C77F1D7}">
+              <ma14:placeholderFlag xmlns:ma14="http://schemas.microsoft.com/office/mac/drawingml/2011/main" val="1"/>
+            </a:ext>
+            <a:ext uri="{909E8E84-426E-40dd-AFC4-6F175D3DCCD1}">
+              <a14:hiddenFill xmlns:a14="http://schemas.microsoft.com/office/drawing/2010/main" xmlns="">
                 <a:solidFill>
                   <a:srgbClr val="FFFFFF"/>
                 </a:solidFill>
               </a14:hiddenFill>
             </a:ext>
-            <a:ext uri="{91240B29-F687-4F45-9708-019B960494DF}">
-              <a14:hiddenLine xmlns:a14="http://schemas.microsoft.com/office/drawing/2010/main" w="9525">
+            <a:ext uri="{91240B29-F687-4f45-9708-019B960494DF}">
+              <a14:hiddenLine xmlns:a14="http://schemas.microsoft.com/office/drawing/2010/main" xmlns="" w="9525">
                 <a:solidFill>
                   <a:srgbClr val="000000"/>
                 </a:solidFill>
@@ -854,9 +857,6 @@
                 <a:headEnd/>
                 <a:tailEnd/>
               </a14:hiddenLine>
-            </a:ext>
-            <a:ext uri="{FAA26D3D-D897-4be2-8F04-BA451C77F1D7}">
-              <ma14:placeholderFlag xmlns:ma14="http://schemas.microsoft.com/office/mac/drawingml/2011/main" val="1"/>
             </a:ext>
           </a:extLst>
         </p:spPr>
@@ -3356,7 +3356,7 @@
           </a:lstStyle>
           <a:p>
             <a:pPr lvl="0"/>
-            <a:endParaRPr lang="en-US" noProof="0" smtClean="0"/>
+            <a:endParaRPr lang="en-US" noProof="0"/>
           </a:p>
         </p:txBody>
       </p:sp>
@@ -3565,15 +3565,18 @@
             <a:noFill/>
           </a:ln>
           <a:extLst>
-            <a:ext uri="{909E8E84-426E-40DD-AFC4-6F175D3DCCD1}">
-              <a14:hiddenFill xmlns:a14="http://schemas.microsoft.com/office/drawing/2010/main">
+            <a:ext uri="{FAA26D3D-D897-4be2-8F04-BA451C77F1D7}">
+              <ma14:placeholderFlag xmlns:ma14="http://schemas.microsoft.com/office/mac/drawingml/2011/main" val="1"/>
+            </a:ext>
+            <a:ext uri="{909E8E84-426E-40dd-AFC4-6F175D3DCCD1}">
+              <a14:hiddenFill xmlns:a14="http://schemas.microsoft.com/office/drawing/2010/main" xmlns="">
                 <a:solidFill>
                   <a:srgbClr val="FFFFFF"/>
                 </a:solidFill>
               </a14:hiddenFill>
             </a:ext>
-            <a:ext uri="{91240B29-F687-4F45-9708-019B960494DF}">
-              <a14:hiddenLine xmlns:a14="http://schemas.microsoft.com/office/drawing/2010/main" w="9525">
+            <a:ext uri="{91240B29-F687-4f45-9708-019B960494DF}">
+              <a14:hiddenLine xmlns:a14="http://schemas.microsoft.com/office/drawing/2010/main" xmlns="" w="9525">
                 <a:solidFill>
                   <a:srgbClr val="000000"/>
                 </a:solidFill>
@@ -3581,9 +3584,6 @@
                 <a:headEnd/>
                 <a:tailEnd/>
               </a14:hiddenLine>
-            </a:ext>
-            <a:ext uri="{FAA26D3D-D897-4be2-8F04-BA451C77F1D7}">
-              <ma14:placeholderFlag xmlns:ma14="http://schemas.microsoft.com/office/mac/drawingml/2011/main" val="1"/>
             </a:ext>
           </a:extLst>
         </p:spPr>
@@ -3626,15 +3626,18 @@
             <a:noFill/>
           </a:ln>
           <a:extLst>
-            <a:ext uri="{909E8E84-426E-40DD-AFC4-6F175D3DCCD1}">
-              <a14:hiddenFill xmlns:a14="http://schemas.microsoft.com/office/drawing/2010/main">
+            <a:ext uri="{FAA26D3D-D897-4be2-8F04-BA451C77F1D7}">
+              <ma14:placeholderFlag xmlns:ma14="http://schemas.microsoft.com/office/mac/drawingml/2011/main" val="1"/>
+            </a:ext>
+            <a:ext uri="{909E8E84-426E-40dd-AFC4-6F175D3DCCD1}">
+              <a14:hiddenFill xmlns:a14="http://schemas.microsoft.com/office/drawing/2010/main" xmlns="">
                 <a:solidFill>
                   <a:srgbClr val="FFFFFF"/>
                 </a:solidFill>
               </a14:hiddenFill>
             </a:ext>
-            <a:ext uri="{91240B29-F687-4F45-9708-019B960494DF}">
-              <a14:hiddenLine xmlns:a14="http://schemas.microsoft.com/office/drawing/2010/main" w="9525">
+            <a:ext uri="{91240B29-F687-4f45-9708-019B960494DF}">
+              <a14:hiddenLine xmlns:a14="http://schemas.microsoft.com/office/drawing/2010/main" xmlns="" w="9525">
                 <a:solidFill>
                   <a:srgbClr val="000000"/>
                 </a:solidFill>
@@ -3642,9 +3645,6 @@
                 <a:headEnd/>
                 <a:tailEnd/>
               </a14:hiddenLine>
-            </a:ext>
-            <a:ext uri="{FAA26D3D-D897-4be2-8F04-BA451C77F1D7}">
-              <ma14:placeholderFlag xmlns:ma14="http://schemas.microsoft.com/office/mac/drawingml/2011/main" val="1"/>
             </a:ext>
           </a:extLst>
         </p:spPr>
@@ -4289,15 +4289,15 @@
             <a:noFill/>
           </a:ln>
           <a:extLst>
-            <a:ext uri="{909E8E84-426E-40DD-AFC4-6F175D3DCCD1}">
-              <a14:hiddenFill xmlns:a14="http://schemas.microsoft.com/office/drawing/2010/main">
+            <a:ext uri="{909E8E84-426E-40dd-AFC4-6F175D3DCCD1}">
+              <a14:hiddenFill xmlns:a14="http://schemas.microsoft.com/office/drawing/2010/main" xmlns="">
                 <a:solidFill>
                   <a:srgbClr val="FFFFFF"/>
                 </a:solidFill>
               </a14:hiddenFill>
             </a:ext>
-            <a:ext uri="{91240B29-F687-4F45-9708-019B960494DF}">
-              <a14:hiddenLine xmlns:a14="http://schemas.microsoft.com/office/drawing/2010/main" w="9525">
+            <a:ext uri="{91240B29-F687-4f45-9708-019B960494DF}">
+              <a14:hiddenLine xmlns:a14="http://schemas.microsoft.com/office/drawing/2010/main" xmlns="" w="9525">
                 <a:solidFill>
                   <a:srgbClr val="000000"/>
                 </a:solidFill>
@@ -4330,15 +4330,15 @@
             <a:noFill/>
           </a:ln>
           <a:extLst>
-            <a:ext uri="{909E8E84-426E-40DD-AFC4-6F175D3DCCD1}">
-              <a14:hiddenFill xmlns:a14="http://schemas.microsoft.com/office/drawing/2010/main">
+            <a:ext uri="{909E8E84-426E-40dd-AFC4-6F175D3DCCD1}">
+              <a14:hiddenFill xmlns:a14="http://schemas.microsoft.com/office/drawing/2010/main" xmlns="">
                 <a:solidFill>
                   <a:srgbClr val="FFFFFF"/>
                 </a:solidFill>
               </a14:hiddenFill>
             </a:ext>
-            <a:ext uri="{91240B29-F687-4F45-9708-019B960494DF}">
-              <a14:hiddenLine xmlns:a14="http://schemas.microsoft.com/office/drawing/2010/main" w="9525">
+            <a:ext uri="{91240B29-F687-4f45-9708-019B960494DF}">
+              <a14:hiddenLine xmlns:a14="http://schemas.microsoft.com/office/drawing/2010/main" xmlns="" w="9525">
                 <a:solidFill>
                   <a:srgbClr val="000000"/>
                 </a:solidFill>
@@ -4463,14 +4463,11 @@
           <a:p>
             <a:pPr eaLnBrk="1" hangingPunct="1"/>
             <a:r>
-              <a:rPr lang="en-US" altLang="en-US" sz="8000" b="1" dirty="0" smtClean="0">
+              <a:rPr lang="en-US" altLang="en-US" sz="8000" b="1" dirty="0">
                 <a:latin typeface="+mn-lt"/>
               </a:rPr>
               <a:t>Human Activity Recognition using Time Series Analysis</a:t>
             </a:r>
-            <a:endParaRPr lang="en-US" altLang="en-US" sz="8000" b="1" dirty="0">
-              <a:latin typeface="+mn-lt"/>
-            </a:endParaRPr>
           </a:p>
         </p:txBody>
       </p:sp>
@@ -4644,15 +4641,15 @@
             <a:noFill/>
           </a:ln>
           <a:extLst>
-            <a:ext uri="{909E8E84-426E-40DD-AFC4-6F175D3DCCD1}">
-              <a14:hiddenFill xmlns:a14="http://schemas.microsoft.com/office/drawing/2010/main">
+            <a:ext uri="{909E8E84-426E-40dd-AFC4-6F175D3DCCD1}">
+              <a14:hiddenFill xmlns:a14="http://schemas.microsoft.com/office/drawing/2010/main" xmlns="">
                 <a:solidFill>
                   <a:srgbClr val="FFFFFF"/>
                 </a:solidFill>
               </a14:hiddenFill>
             </a:ext>
-            <a:ext uri="{91240B29-F687-4F45-9708-019B960494DF}">
-              <a14:hiddenLine xmlns:a14="http://schemas.microsoft.com/office/drawing/2010/main" w="9525">
+            <a:ext uri="{91240B29-F687-4f45-9708-019B960494DF}">
+              <a14:hiddenLine xmlns:a14="http://schemas.microsoft.com/office/drawing/2010/main" xmlns="" w="9525">
                 <a:solidFill>
                   <a:srgbClr val="000000"/>
                 </a:solidFill>
@@ -4777,79 +4774,76 @@
           <a:p>
             <a:pPr eaLnBrk="1" hangingPunct="1"/>
             <a:r>
-              <a:rPr lang="en-US" altLang="en-US" sz="4400" dirty="0" err="1" smtClean="0">
+              <a:rPr lang="en-US" altLang="en-US" sz="4400" dirty="0" err="1">
                 <a:latin typeface="Helvetica" charset="0"/>
               </a:rPr>
               <a:t>Virgile</a:t>
             </a:r>
             <a:r>
-              <a:rPr lang="en-US" altLang="en-US" sz="4400" dirty="0" smtClean="0">
+              <a:rPr lang="en-US" altLang="en-US" sz="4400" dirty="0">
                 <a:latin typeface="Helvetica" charset="0"/>
               </a:rPr>
               <a:t> Audi, Nicolas </a:t>
             </a:r>
             <a:r>
-              <a:rPr lang="en-US" altLang="en-US" sz="4400" dirty="0" err="1" smtClean="0">
+              <a:rPr lang="en-US" altLang="en-US" sz="4400" dirty="0" err="1">
                 <a:latin typeface="Helvetica" charset="0"/>
               </a:rPr>
               <a:t>Drizard</a:t>
             </a:r>
             <a:r>
-              <a:rPr lang="en-US" altLang="en-US" sz="4400" dirty="0" smtClean="0">
+              <a:rPr lang="en-US" altLang="en-US" sz="4400" dirty="0">
                 <a:latin typeface="Helvetica" charset="0"/>
               </a:rPr>
               <a:t> &amp; Louie Hoang</a:t>
             </a:r>
-            <a:endParaRPr lang="en-US" altLang="en-US" sz="4400" dirty="0">
-              <a:latin typeface="Helvetica" charset="0"/>
-            </a:endParaRPr>
           </a:p>
           <a:p>
             <a:pPr eaLnBrk="1" hangingPunct="1"/>
             <a:r>
-              <a:rPr lang="en-US" altLang="en-US" sz="4400" dirty="0" smtClean="0">
+              <a:rPr lang="en-US" altLang="en-US" sz="4400" dirty="0">
                 <a:latin typeface="Helvetica" charset="0"/>
               </a:rPr>
               <a:t>[</a:t>
             </a:r>
             <a:r>
-              <a:rPr lang="en-US" altLang="en-US" sz="4400" dirty="0" err="1" smtClean="0">
+              <a:rPr lang="en-US" altLang="en-US" sz="4400" dirty="0" err="1">
                 <a:latin typeface="Helvetica" charset="0"/>
               </a:rPr>
               <a:t>vaudi</a:t>
             </a:r>
             <a:r>
-              <a:rPr lang="en-US" altLang="en-US" sz="4400" dirty="0" smtClean="0">
+              <a:rPr lang="en-US" altLang="en-US" sz="4400" dirty="0">
                 <a:latin typeface="Helvetica" charset="0"/>
               </a:rPr>
               <a:t>, </a:t>
             </a:r>
             <a:r>
-              <a:rPr lang="en-US" altLang="en-US" sz="4400" dirty="0" err="1" smtClean="0">
+              <a:rPr lang="en-US" altLang="en-US" sz="4400" dirty="0" err="1">
                 <a:latin typeface="Helvetica" charset="0"/>
               </a:rPr>
               <a:t>nicolasdrizard</a:t>
             </a:r>
             <a:r>
-              <a:rPr lang="en-US" altLang="en-US" sz="4400" dirty="0" smtClean="0">
+              <a:rPr lang="en-US" altLang="en-US" sz="4400" dirty="0">
                 <a:latin typeface="Helvetica" charset="0"/>
               </a:rPr>
               <a:t>, </a:t>
             </a:r>
             <a:r>
-              <a:rPr lang="en-US" altLang="en-US" sz="4400" dirty="0" err="1" smtClean="0">
+              <a:rPr lang="en-US" altLang="en-US" sz="4400" dirty="0" err="1">
                 <a:latin typeface="Helvetica" charset="0"/>
               </a:rPr>
               <a:t>lhoang</a:t>
             </a:r>
             <a:r>
-              <a:rPr lang="en-US" altLang="en-US" sz="4400" dirty="0" smtClean="0">
+              <a:rPr lang="en-US" altLang="en-US" sz="4400" dirty="0">
                 <a:latin typeface="Helvetica" charset="0"/>
               </a:rPr>
               <a:t>]@</a:t>
             </a:r>
             <a:r>
-              <a:rPr lang="en-US" altLang="en-US" sz="4400" dirty="0" err="1" smtClean="0">
+              <a:rPr lang="en-US" altLang="en-US" sz="4400" dirty="0" err="1">
                 <a:latin typeface="Helvetica" charset="0"/>
               </a:rPr>
               <a:t>g.harvard.edu</a:t>
@@ -4865,25 +4859,19 @@
               </a:lnSpc>
             </a:pPr>
             <a:r>
-              <a:rPr lang="en-US" altLang="en-US" sz="4800" b="1" dirty="0" smtClean="0">
+              <a:rPr lang="en-US" altLang="en-US" sz="4800" b="1" dirty="0">
                 <a:solidFill>
                   <a:srgbClr val="FF0000"/>
                 </a:solidFill>
                 <a:latin typeface="Helvetica" charset="0"/>
               </a:rPr>
               <a:t>AM 207 - </a:t>
-            </a:r>
-            <a:r>
-              <a:rPr lang="en-US" altLang="en-US" sz="4800" b="1" dirty="0" smtClean="0">
-                <a:latin typeface="Helvetica" charset="0"/>
-              </a:rPr>
-              <a:t>Spring </a:t>
             </a:r>
             <a:r>
               <a:rPr lang="en-US" altLang="en-US" sz="4800" b="1" dirty="0">
                 <a:latin typeface="Helvetica" charset="0"/>
               </a:rPr>
-              <a:t>2016</a:t>
+              <a:t>Spring 2016</a:t>
             </a:r>
           </a:p>
         </p:txBody>
@@ -4926,7 +4914,7 @@
               <a:defRPr/>
             </a:pPr>
             <a:r>
-              <a:rPr lang="en-US" sz="4800" dirty="0" smtClean="0">
+              <a:rPr lang="en-US" sz="4800" dirty="0">
                 <a:ln>
                   <a:solidFill>
                     <a:sysClr val="windowText" lastClr="000000"/>
@@ -5009,7 +4997,7 @@
         </p:nvSpPr>
         <p:spPr>
           <a:xfrm>
-            <a:off x="19095988" y="29226300"/>
+            <a:off x="19028065" y="29370078"/>
             <a:ext cx="8943450" cy="1965062"/>
           </a:xfrm>
           <a:prstGeom prst="rect">
@@ -5138,7 +5126,7 @@
               <a:defRPr/>
             </a:pPr>
             <a:r>
-              <a:rPr lang="en-US" sz="5000" b="1" dirty="0" smtClean="0">
+              <a:rPr lang="en-US" sz="5000" b="1" dirty="0">
                 <a:solidFill>
                   <a:srgbClr val="FF0000"/>
                 </a:solidFill>
@@ -5147,13 +5135,6 @@
               </a:rPr>
               <a:t>Experiments and Results</a:t>
             </a:r>
-            <a:endParaRPr lang="en-US" sz="5000" b="1" dirty="0">
-              <a:solidFill>
-                <a:srgbClr val="FF0000"/>
-              </a:solidFill>
-              <a:latin typeface="Arial" charset="0"/>
-              <a:cs typeface="Arial" charset="0"/>
-            </a:endParaRPr>
           </a:p>
         </p:txBody>
       </p:sp>
@@ -5165,8 +5146,8 @@
         </p:nvSpPr>
         <p:spPr>
           <a:xfrm>
-            <a:off x="19539820" y="8969464"/>
-            <a:ext cx="8198057" cy="2857615"/>
+            <a:off x="19095988" y="8969464"/>
+            <a:ext cx="8641889" cy="2857615"/>
           </a:xfrm>
           <a:prstGeom prst="rect">
             <a:avLst/>
@@ -5294,7 +5275,7 @@
               <a:defRPr/>
             </a:pPr>
             <a:r>
-              <a:rPr lang="en-US" sz="5400" b="1" dirty="0" smtClean="0">
+              <a:rPr lang="en-US" sz="5400" b="1" dirty="0">
                 <a:solidFill>
                   <a:srgbClr val="FF0000"/>
                 </a:solidFill>
@@ -5303,13 +5284,6 @@
               </a:rPr>
               <a:t>MLP and Simulated Annealing</a:t>
             </a:r>
-            <a:endParaRPr lang="en-US" sz="5400" b="1" dirty="0">
-              <a:solidFill>
-                <a:srgbClr val="FF0000"/>
-              </a:solidFill>
-              <a:latin typeface="Arial" charset="0"/>
-              <a:cs typeface="Arial" charset="0"/>
-            </a:endParaRPr>
           </a:p>
         </p:txBody>
       </p:sp>
@@ -5321,8 +5295,8 @@
         </p:nvSpPr>
         <p:spPr>
           <a:xfrm>
-            <a:off x="805892" y="31295949"/>
-            <a:ext cx="8013700" cy="1866900"/>
+            <a:off x="880108" y="29244603"/>
+            <a:ext cx="8013700" cy="2026618"/>
           </a:xfrm>
           <a:prstGeom prst="rect">
             <a:avLst/>
@@ -5450,15 +5424,22 @@
               <a:defRPr/>
             </a:pPr>
             <a:r>
-              <a:rPr lang="en-US" sz="4400" b="1" dirty="0">
+              <a:rPr lang="en-US" sz="5400" b="1" dirty="0" smtClean="0">
                 <a:solidFill>
                   <a:srgbClr val="FF0000"/>
                 </a:solidFill>
                 <a:latin typeface="Arial" charset="0"/>
                 <a:cs typeface="Arial" charset="0"/>
               </a:rPr>
-              <a:t>Citations and Links</a:t>
-            </a:r>
+              <a:t>Bibliography</a:t>
+            </a:r>
+            <a:endParaRPr lang="en-US" sz="5400" b="1" dirty="0">
+              <a:solidFill>
+                <a:srgbClr val="FF0000"/>
+              </a:solidFill>
+              <a:latin typeface="Arial" charset="0"/>
+              <a:cs typeface="Arial" charset="0"/>
+            </a:endParaRPr>
           </a:p>
         </p:txBody>
       </p:sp>
@@ -5472,8 +5453,8 @@
         </p:nvSpPr>
         <p:spPr bwMode="auto">
           <a:xfrm>
-            <a:off x="1010401" y="33520040"/>
-            <a:ext cx="7604682" cy="3086223"/>
+            <a:off x="924799" y="31574316"/>
+            <a:ext cx="7924317" cy="7195041"/>
           </a:xfrm>
           <a:prstGeom prst="rect">
             <a:avLst/>
@@ -5490,8 +5471,8 @@
             <a:tailEnd/>
           </a:ln>
           <a:extLst>
-            <a:ext uri="{909E8E84-426E-40DD-AFC4-6F175D3DCCD1}">
-              <a14:hiddenFill xmlns:a14="http://schemas.microsoft.com/office/drawing/2010/main">
+            <a:ext uri="{909E8E84-426E-40dd-AFC4-6F175D3DCCD1}">
+              <a14:hiddenFill xmlns:a14="http://schemas.microsoft.com/office/drawing/2010/main" xmlns="">
                 <a:solidFill>
                   <a:srgbClr val="FFFFFF"/>
                 </a:solidFill>
@@ -5617,30 +5598,21 @@
               </a:spcAft>
             </a:pPr>
             <a:r>
-              <a:rPr lang="en-US" sz="2000" dirty="0" err="1" smtClean="0"/>
+              <a:rPr lang="en-US" sz="2400" dirty="0" err="1"/>
               <a:t>Anguita</a:t>
             </a:r>
             <a:r>
-              <a:rPr lang="en-US" sz="2000" dirty="0" smtClean="0"/>
-              <a:t> et al.. </a:t>
-            </a:r>
-            <a:r>
-              <a:rPr lang="en-US" sz="2000" dirty="0"/>
-              <a:t>A Public Domain Dataset for Human Activity Recognition Using Smartphones. </a:t>
-            </a:r>
-            <a:r>
-              <a:rPr lang="en-US" sz="2000" i="1" dirty="0"/>
+              <a:rPr lang="en-US" sz="2400" dirty="0"/>
+              <a:t> et al.. A Public Domain Dataset for Human Activity Recognition Using Smartphones. </a:t>
+            </a:r>
+            <a:r>
+              <a:rPr lang="en-US" sz="2400" i="1" dirty="0"/>
               <a:t>21th European Symposium on Artificial Neural Networks, Computational Intelligence and Machine Learning</a:t>
             </a:r>
             <a:r>
-              <a:rPr lang="en-US" sz="2000" dirty="0"/>
-              <a:t>, ESANN 2013</a:t>
-            </a:r>
-            <a:r>
-              <a:rPr lang="en-US" sz="2000" dirty="0" smtClean="0"/>
-              <a:t>..</a:t>
-            </a:r>
-            <a:endParaRPr lang="en-US" sz="2000" dirty="0"/>
+              <a:rPr lang="en-US" sz="2400" dirty="0"/>
+              <a:t>, ESANN 2013..</a:t>
+            </a:r>
           </a:p>
           <a:p>
             <a:pPr eaLnBrk="1" hangingPunct="1">
@@ -5649,46 +5621,38 @@
               </a:spcAft>
             </a:pPr>
             <a:r>
-              <a:rPr lang="en-US" sz="2000" dirty="0" smtClean="0"/>
-              <a:t>Arnaud et al. </a:t>
-            </a:r>
-            <a:r>
-              <a:rPr lang="en-US" sz="2000" dirty="0"/>
-              <a:t>MLP Neural Networks Optimization through Simulated Annealing in a Hybrid Approach for Time Series </a:t>
-            </a:r>
-            <a:r>
-              <a:rPr lang="en-US" sz="2000" dirty="0" smtClean="0"/>
-              <a:t>Prediction. </a:t>
-            </a:r>
-            <a:r>
-              <a:rPr lang="en-US" sz="2000" i="1" dirty="0" smtClean="0"/>
+              <a:rPr lang="en-US" sz="2400" dirty="0"/>
+              <a:t>Arnaud et al. MLP Neural Networks Optimization through Simulated Annealing in a Hybrid Approach for Time Series Prediction. </a:t>
+            </a:r>
+            <a:r>
+              <a:rPr lang="en-US" sz="2400" i="1" dirty="0"/>
               <a:t>V </a:t>
             </a:r>
             <a:r>
-              <a:rPr lang="en-US" sz="2000" i="1" dirty="0" err="1" smtClean="0"/>
+              <a:rPr lang="en-US" sz="2400" i="1" dirty="0" err="1"/>
               <a:t>Encontro</a:t>
             </a:r>
             <a:r>
-              <a:rPr lang="en-US" sz="2000" i="1" dirty="0" smtClean="0"/>
+              <a:rPr lang="en-US" sz="2400" i="1" dirty="0"/>
               <a:t> </a:t>
             </a:r>
             <a:r>
-              <a:rPr lang="en-US" sz="2000" i="1" dirty="0" err="1" smtClean="0"/>
+              <a:rPr lang="en-US" sz="2400" i="1" dirty="0" err="1"/>
               <a:t>Nacional</a:t>
             </a:r>
             <a:r>
-              <a:rPr lang="en-US" sz="2000" i="1" dirty="0" smtClean="0"/>
+              <a:rPr lang="en-US" sz="2400" i="1" dirty="0"/>
               <a:t> de </a:t>
             </a:r>
             <a:r>
-              <a:rPr lang="en-US" sz="2000" i="1" dirty="0" err="1" smtClean="0"/>
+              <a:rPr lang="en-US" sz="2400" i="1" dirty="0" err="1"/>
               <a:t>Inteligencia</a:t>
             </a:r>
             <a:r>
-              <a:rPr lang="en-US" sz="2000" i="1" dirty="0" smtClean="0"/>
+              <a:rPr lang="en-US" sz="2400" i="1" dirty="0"/>
               <a:t> Artificial. ENIA 2005.</a:t>
             </a:r>
-            <a:endParaRPr lang="en-US" sz="2000" dirty="0" smtClean="0"/>
+            <a:endParaRPr lang="en-US" sz="2400" dirty="0"/>
           </a:p>
           <a:p>
             <a:pPr eaLnBrk="1" hangingPunct="1">
@@ -5696,7 +5660,26 @@
                 <a:spcPts val="550"/>
               </a:spcAft>
             </a:pPr>
-            <a:endParaRPr lang="en-US" sz="2000" dirty="0" smtClean="0"/>
+            <a:r>
+              <a:rPr lang="en-US" sz="2400" dirty="0"/>
+              <a:t>Kevin P </a:t>
+            </a:r>
+            <a:r>
+              <a:rPr lang="en-US" sz="2400" dirty="0" smtClean="0"/>
+              <a:t>Murphy, Machine </a:t>
+            </a:r>
+            <a:r>
+              <a:rPr lang="en-US" sz="2400" dirty="0"/>
+              <a:t>learning: a probabilistic </a:t>
+            </a:r>
+            <a:r>
+              <a:rPr lang="en-US" sz="2400" dirty="0" smtClean="0"/>
+              <a:t>perspective, </a:t>
+            </a:r>
+            <a:r>
+              <a:rPr lang="en-US" sz="2400" dirty="0" smtClean="0"/>
+              <a:t>2012</a:t>
+            </a:r>
           </a:p>
           <a:p>
             <a:pPr eaLnBrk="1" hangingPunct="1">
@@ -5704,7 +5687,96 @@
                 <a:spcPts val="550"/>
               </a:spcAft>
             </a:pPr>
-            <a:endParaRPr lang="en-US" sz="2000" dirty="0" smtClean="0"/>
+            <a:r>
+              <a:rPr lang="en-US" sz="2400" dirty="0" smtClean="0"/>
+              <a:t>Human </a:t>
+            </a:r>
+            <a:r>
+              <a:rPr lang="en-US" sz="2400" dirty="0" smtClean="0"/>
+              <a:t>Activity Recognition Using Smartphone Sensors With </a:t>
+            </a:r>
+            <a:r>
+              <a:rPr lang="en-US" sz="2400" dirty="0"/>
+              <a:t>T</a:t>
+            </a:r>
+            <a:r>
+              <a:rPr lang="en-US" sz="2400" dirty="0" smtClean="0"/>
+              <a:t>wo-Stage Continuous Hidden Markov Models</a:t>
+            </a:r>
+          </a:p>
+          <a:p>
+            <a:pPr eaLnBrk="1" hangingPunct="1">
+              <a:spcAft>
+                <a:spcPts val="550"/>
+              </a:spcAft>
+            </a:pPr>
+            <a:r>
+              <a:rPr lang="en-US" sz="2400" dirty="0"/>
+              <a:t>	</a:t>
+            </a:r>
+            <a:r>
+              <a:rPr lang="en-US" sz="2400" dirty="0" err="1" smtClean="0"/>
+              <a:t>Charissa</a:t>
+            </a:r>
+            <a:r>
+              <a:rPr lang="en-US" sz="2400" dirty="0" smtClean="0"/>
+              <a:t> A. </a:t>
+            </a:r>
+            <a:r>
+              <a:rPr lang="en-US" sz="2400" dirty="0" err="1" smtClean="0"/>
+              <a:t>Ronao</a:t>
+            </a:r>
+            <a:r>
+              <a:rPr lang="en-US" sz="2400" dirty="0" smtClean="0"/>
+              <a:t>, Sung-</a:t>
+            </a:r>
+            <a:r>
+              <a:rPr lang="en-US" sz="2400" dirty="0" err="1" smtClean="0"/>
+              <a:t>Bao</a:t>
+            </a:r>
+            <a:r>
+              <a:rPr lang="en-US" sz="2400" dirty="0" smtClean="0"/>
+              <a:t> Cho</a:t>
+            </a:r>
+          </a:p>
+          <a:p>
+            <a:pPr eaLnBrk="1" hangingPunct="1">
+              <a:spcAft>
+                <a:spcPts val="550"/>
+              </a:spcAft>
+            </a:pPr>
+            <a:r>
+              <a:rPr lang="en-US" sz="2400" dirty="0" smtClean="0"/>
+              <a:t>	2014 10</a:t>
+            </a:r>
+            <a:r>
+              <a:rPr lang="en-US" sz="2400" baseline="30000" dirty="0" smtClean="0"/>
+              <a:t>th</a:t>
+            </a:r>
+            <a:r>
+              <a:rPr lang="en-US" sz="2400" dirty="0" smtClean="0"/>
+              <a:t> International Conference on Natural </a:t>
+            </a:r>
+            <a:r>
+              <a:rPr lang="en-US" sz="2400" dirty="0" smtClean="0"/>
+              <a:t>Computation</a:t>
+            </a:r>
+          </a:p>
+          <a:p>
+            <a:pPr eaLnBrk="1" hangingPunct="1">
+              <a:spcAft>
+                <a:spcPts val="550"/>
+              </a:spcAft>
+            </a:pPr>
+            <a:r>
+              <a:rPr lang="en-US" sz="2400" dirty="0"/>
+              <a:t>Lafferty, John, Andrew McCallum, and Fernando CN Pereira. "Conditional random fields: Probabilistic models for segmenting and labeling sequence data." (2001</a:t>
+            </a:r>
+            <a:r>
+              <a:rPr lang="en-US" sz="2400" dirty="0" smtClean="0"/>
+              <a:t>).</a:t>
+            </a:r>
+            <a:endParaRPr lang="en-US" sz="2400" dirty="0"/>
           </a:p>
         </p:txBody>
       </p:sp>
@@ -5729,15 +5801,15 @@
             <a:noFill/>
           </a:ln>
           <a:extLst>
-            <a:ext uri="{909E8E84-426E-40DD-AFC4-6F175D3DCCD1}">
-              <a14:hiddenFill xmlns:a14="http://schemas.microsoft.com/office/drawing/2010/main">
+            <a:ext uri="{909E8E84-426E-40dd-AFC4-6F175D3DCCD1}">
+              <a14:hiddenFill xmlns:a14="http://schemas.microsoft.com/office/drawing/2010/main" xmlns="">
                 <a:solidFill>
                   <a:srgbClr val="FFFFFF"/>
                 </a:solidFill>
               </a14:hiddenFill>
             </a:ext>
-            <a:ext uri="{91240B29-F687-4F45-9708-019B960494DF}">
-              <a14:hiddenLine xmlns:a14="http://schemas.microsoft.com/office/drawing/2010/main" w="9525">
+            <a:ext uri="{91240B29-F687-4f45-9708-019B960494DF}">
+              <a14:hiddenLine xmlns:a14="http://schemas.microsoft.com/office/drawing/2010/main" xmlns="" w="9525">
                 <a:solidFill>
                   <a:srgbClr val="000000"/>
                 </a:solidFill>
@@ -5862,7 +5934,7 @@
           <a:p>
             <a:pPr algn="just" eaLnBrk="1" hangingPunct="1"/>
             <a:r>
-              <a:rPr lang="en-US" altLang="en-US" sz="3300" dirty="0" smtClean="0">
+              <a:rPr lang="en-US" altLang="en-US" sz="3300" dirty="0">
                 <a:latin typeface="+mj-lt"/>
               </a:rPr>
               <a:t>Sensor-based activity recognition integrates the area of sensor networks with novel data mining and machine learning techniques to model a wide range of human activities. </a:t>
@@ -5871,31 +5943,28 @@
           <a:p>
             <a:pPr algn="just" eaLnBrk="1" hangingPunct="1"/>
             <a:r>
-              <a:rPr lang="en-US" altLang="en-US" sz="3300" dirty="0" smtClean="0">
+              <a:rPr lang="en-US" altLang="en-US" sz="3300" dirty="0">
                 <a:latin typeface="+mj-lt"/>
               </a:rPr>
               <a:t>	</a:t>
             </a:r>
-            <a:endParaRPr lang="en-US" altLang="en-US" sz="3300" dirty="0">
-              <a:latin typeface="+mj-lt"/>
-            </a:endParaRPr>
           </a:p>
           <a:p>
             <a:pPr algn="just" eaLnBrk="1" hangingPunct="1"/>
             <a:r>
-              <a:rPr lang="en-US" altLang="en-US" sz="3300" dirty="0" smtClean="0">
+              <a:rPr lang="en-US" altLang="en-US" sz="3300" dirty="0">
                 <a:latin typeface="+mj-lt"/>
               </a:rPr>
               <a:t>In this project, we were interested in modeling the UCI HAR dataset and comparing various models such as Conditional Random Fields and Markov Models. To model transitions probabilities, we resorted to different techniques such as Gaussian fitting as well as Multi-Layer </a:t>
             </a:r>
             <a:r>
-              <a:rPr lang="en-US" altLang="en-US" sz="3300" dirty="0" err="1" smtClean="0">
+              <a:rPr lang="en-US" altLang="en-US" sz="3300" dirty="0" err="1">
                 <a:latin typeface="+mj-lt"/>
               </a:rPr>
               <a:t>Perceptrons</a:t>
             </a:r>
             <a:r>
-              <a:rPr lang="en-US" altLang="en-US" sz="3300" dirty="0" smtClean="0">
+              <a:rPr lang="en-US" altLang="en-US" sz="3300" dirty="0">
                 <a:latin typeface="+mj-lt"/>
               </a:rPr>
               <a:t>. </a:t>
@@ -5910,14 +5979,11 @@
           <a:p>
             <a:pPr algn="just" eaLnBrk="1" hangingPunct="1"/>
             <a:r>
-              <a:rPr lang="en-US" altLang="en-US" sz="3300" dirty="0" smtClean="0">
+              <a:rPr lang="en-US" altLang="en-US" sz="3300" dirty="0">
                 <a:latin typeface="+mj-lt"/>
               </a:rPr>
               <a:t>The latter sparked the question of how to find the MLP’s most suitable architecture: how many layers? what hidden dimensions to choose? We investigated this issue by implementing a simulated annealing algorithm to find the ‘best’ architecture. </a:t>
             </a:r>
-            <a:endParaRPr lang="en-US" altLang="en-US" sz="3300" dirty="0">
-              <a:latin typeface="+mj-lt"/>
-            </a:endParaRPr>
           </a:p>
         </p:txBody>
       </p:sp>
@@ -5929,7 +5995,7 @@
         </p:nvSpPr>
         <p:spPr>
           <a:xfrm>
-            <a:off x="10180927" y="9172532"/>
+            <a:off x="10014276" y="9105072"/>
             <a:ext cx="8847138" cy="2026618"/>
           </a:xfrm>
           <a:prstGeom prst="rect">
@@ -6058,7 +6124,7 @@
               <a:defRPr/>
             </a:pPr>
             <a:r>
-              <a:rPr lang="en-US" sz="5400" b="1" dirty="0" smtClean="0">
+              <a:rPr lang="en-US" sz="5400" b="1" dirty="0">
                 <a:solidFill>
                   <a:srgbClr val="FF0000"/>
                 </a:solidFill>
@@ -6067,13 +6133,6 @@
               </a:rPr>
               <a:t>The Models</a:t>
             </a:r>
-            <a:endParaRPr lang="en-US" sz="5400" b="1" dirty="0">
-              <a:solidFill>
-                <a:srgbClr val="FF0000"/>
-              </a:solidFill>
-              <a:latin typeface="Arial" charset="0"/>
-              <a:cs typeface="Arial" charset="0"/>
-            </a:endParaRPr>
           </a:p>
         </p:txBody>
       </p:sp>
@@ -6111,15 +6170,15 @@
             <a:noFill/>
           </a:ln>
           <a:extLst>
-            <a:ext uri="{909E8E84-426E-40DD-AFC4-6F175D3DCCD1}">
-              <a14:hiddenFill xmlns:a14="http://schemas.microsoft.com/office/drawing/2010/main">
+            <a:ext uri="{909E8E84-426E-40dd-AFC4-6F175D3DCCD1}">
+              <a14:hiddenFill xmlns:a14="http://schemas.microsoft.com/office/drawing/2010/main" xmlns="">
                 <a:solidFill>
                   <a:srgbClr val="FFFFFF"/>
                 </a:solidFill>
               </a14:hiddenFill>
             </a:ext>
-            <a:ext uri="{91240B29-F687-4F45-9708-019B960494DF}">
-              <a14:hiddenLine xmlns:a14="http://schemas.microsoft.com/office/drawing/2010/main" w="9525">
+            <a:ext uri="{91240B29-F687-4f45-9708-019B960494DF}">
+              <a14:hiddenLine xmlns:a14="http://schemas.microsoft.com/office/drawing/2010/main" xmlns="" w="9525">
                 <a:solidFill>
                   <a:srgbClr val="000000"/>
                 </a:solidFill>
@@ -6131,178 +6190,6 @@
           </a:extLst>
         </p:spPr>
       </p:pic>
-      <p:sp>
-        <p:nvSpPr>
-          <p:cNvPr id="15393" name="TextBox 23"/>
-          <p:cNvSpPr txBox="1">
-            <a:spLocks noChangeArrowheads="1"/>
-          </p:cNvSpPr>
-          <p:nvPr/>
-        </p:nvSpPr>
-        <p:spPr bwMode="auto">
-          <a:xfrm>
-            <a:off x="880108" y="37987414"/>
-            <a:ext cx="25995312" cy="1882775"/>
-          </a:xfrm>
-          <a:prstGeom prst="rect">
-            <a:avLst/>
-          </a:prstGeom>
-          <a:noFill/>
-          <a:ln>
-            <a:noFill/>
-          </a:ln>
-          <a:extLst>
-            <a:ext uri="{909E8E84-426E-40DD-AFC4-6F175D3DCCD1}">
-              <a14:hiddenFill xmlns:a14="http://schemas.microsoft.com/office/drawing/2010/main">
-                <a:solidFill>
-                  <a:srgbClr val="FFFFFF"/>
-                </a:solidFill>
-              </a14:hiddenFill>
-            </a:ext>
-            <a:ext uri="{91240B29-F687-4F45-9708-019B960494DF}">
-              <a14:hiddenLine xmlns:a14="http://schemas.microsoft.com/office/drawing/2010/main" w="9525">
-                <a:solidFill>
-                  <a:srgbClr val="000000"/>
-                </a:solidFill>
-                <a:miter lim="800000"/>
-                <a:headEnd/>
-                <a:tailEnd/>
-              </a14:hiddenLine>
-            </a:ext>
-          </a:extLst>
-        </p:spPr>
-        <p:txBody>
-          <a:bodyPr lIns="84576" tIns="42288" rIns="84576" bIns="42288">
-            <a:spAutoFit/>
-          </a:bodyPr>
-          <a:lstStyle>
-            <a:lvl1pPr eaLnBrk="0" hangingPunct="0">
-              <a:defRPr sz="6900">
-                <a:solidFill>
-                  <a:schemeClr val="tx1"/>
-                </a:solidFill>
-                <a:latin typeface="Calibri" charset="0"/>
-                <a:ea typeface="ＭＳ Ｐゴシック" charset="-128"/>
-              </a:defRPr>
-            </a:lvl1pPr>
-            <a:lvl2pPr marL="742950" indent="-285750" eaLnBrk="0" hangingPunct="0">
-              <a:defRPr sz="6900">
-                <a:solidFill>
-                  <a:schemeClr val="tx1"/>
-                </a:solidFill>
-                <a:latin typeface="Calibri" charset="0"/>
-                <a:ea typeface="ＭＳ Ｐゴシック" charset="-128"/>
-              </a:defRPr>
-            </a:lvl2pPr>
-            <a:lvl3pPr marL="1143000" indent="-228600" eaLnBrk="0" hangingPunct="0">
-              <a:defRPr sz="6900">
-                <a:solidFill>
-                  <a:schemeClr val="tx1"/>
-                </a:solidFill>
-                <a:latin typeface="Calibri" charset="0"/>
-                <a:ea typeface="ＭＳ Ｐゴシック" charset="-128"/>
-              </a:defRPr>
-            </a:lvl3pPr>
-            <a:lvl4pPr marL="1600200" indent="-228600" eaLnBrk="0" hangingPunct="0">
-              <a:defRPr sz="6900">
-                <a:solidFill>
-                  <a:schemeClr val="tx1"/>
-                </a:solidFill>
-                <a:latin typeface="Calibri" charset="0"/>
-                <a:ea typeface="ＭＳ Ｐゴシック" charset="-128"/>
-              </a:defRPr>
-            </a:lvl4pPr>
-            <a:lvl5pPr marL="2057400" indent="-228600" eaLnBrk="0" hangingPunct="0">
-              <a:defRPr sz="6900">
-                <a:solidFill>
-                  <a:schemeClr val="tx1"/>
-                </a:solidFill>
-                <a:latin typeface="Calibri" charset="0"/>
-                <a:ea typeface="ＭＳ Ｐゴシック" charset="-128"/>
-              </a:defRPr>
-            </a:lvl5pPr>
-            <a:lvl6pPr marL="2514600" indent="-228600" defTabSz="1736725" eaLnBrk="0" fontAlgn="base" hangingPunct="0">
-              <a:spcBef>
-                <a:spcPct val="0"/>
-              </a:spcBef>
-              <a:spcAft>
-                <a:spcPct val="0"/>
-              </a:spcAft>
-              <a:defRPr sz="6900">
-                <a:solidFill>
-                  <a:schemeClr val="tx1"/>
-                </a:solidFill>
-                <a:latin typeface="Calibri" charset="0"/>
-                <a:ea typeface="ＭＳ Ｐゴシック" charset="-128"/>
-              </a:defRPr>
-            </a:lvl6pPr>
-            <a:lvl7pPr marL="2971800" indent="-228600" defTabSz="1736725" eaLnBrk="0" fontAlgn="base" hangingPunct="0">
-              <a:spcBef>
-                <a:spcPct val="0"/>
-              </a:spcBef>
-              <a:spcAft>
-                <a:spcPct val="0"/>
-              </a:spcAft>
-              <a:defRPr sz="6900">
-                <a:solidFill>
-                  <a:schemeClr val="tx1"/>
-                </a:solidFill>
-                <a:latin typeface="Calibri" charset="0"/>
-                <a:ea typeface="ＭＳ Ｐゴシック" charset="-128"/>
-              </a:defRPr>
-            </a:lvl7pPr>
-            <a:lvl8pPr marL="3429000" indent="-228600" defTabSz="1736725" eaLnBrk="0" fontAlgn="base" hangingPunct="0">
-              <a:spcBef>
-                <a:spcPct val="0"/>
-              </a:spcBef>
-              <a:spcAft>
-                <a:spcPct val="0"/>
-              </a:spcAft>
-              <a:defRPr sz="6900">
-                <a:solidFill>
-                  <a:schemeClr val="tx1"/>
-                </a:solidFill>
-                <a:latin typeface="Calibri" charset="0"/>
-                <a:ea typeface="ＭＳ Ｐゴシック" charset="-128"/>
-              </a:defRPr>
-            </a:lvl8pPr>
-            <a:lvl9pPr marL="3886200" indent="-228600" defTabSz="1736725" eaLnBrk="0" fontAlgn="base" hangingPunct="0">
-              <a:spcBef>
-                <a:spcPct val="0"/>
-              </a:spcBef>
-              <a:spcAft>
-                <a:spcPct val="0"/>
-              </a:spcAft>
-              <a:defRPr sz="6900">
-                <a:solidFill>
-                  <a:schemeClr val="tx1"/>
-                </a:solidFill>
-                <a:latin typeface="Calibri" charset="0"/>
-                <a:ea typeface="ＭＳ Ｐゴシック" charset="-128"/>
-              </a:defRPr>
-            </a:lvl9pPr>
-          </a:lstStyle>
-          <a:p>
-            <a:pPr algn="ctr" eaLnBrk="1" hangingPunct="1"/>
-            <a:r>
-              <a:rPr lang="en-US" altLang="en-US" sz="4100" dirty="0" smtClean="0">
-                <a:latin typeface="Helvetica" charset="0"/>
-              </a:rPr>
-              <a:t>John A. Paulson School </a:t>
-            </a:r>
-            <a:r>
-              <a:rPr lang="en-US" altLang="en-US" sz="4100" dirty="0">
-                <a:latin typeface="Helvetica" charset="0"/>
-              </a:rPr>
-              <a:t>of Engineering and Applied Sciences • Institute for Applied Computational Science</a:t>
-            </a:r>
-          </a:p>
-          <a:p>
-            <a:pPr eaLnBrk="1" hangingPunct="1"/>
-            <a:endParaRPr lang="en-US" altLang="en-US" sz="7600" dirty="0"/>
-          </a:p>
-        </p:txBody>
-      </p:sp>
       <p:sp>
         <p:nvSpPr>
           <p:cNvPr id="40" name="TextBox 39"/>
@@ -6440,7 +6327,7 @@
               <a:defRPr/>
             </a:pPr>
             <a:r>
-              <a:rPr lang="en-US" sz="5400" b="1" dirty="0" smtClean="0">
+              <a:rPr lang="en-US" sz="5400" b="1" dirty="0">
                 <a:solidFill>
                   <a:srgbClr val="FF0000"/>
                 </a:solidFill>
@@ -6449,13 +6336,6 @@
               </a:rPr>
               <a:t>The Data</a:t>
             </a:r>
-            <a:endParaRPr lang="en-US" sz="5400" b="1" dirty="0">
-              <a:solidFill>
-                <a:srgbClr val="FF0000"/>
-              </a:solidFill>
-              <a:latin typeface="Arial" charset="0"/>
-              <a:cs typeface="Arial" charset="0"/>
-            </a:endParaRPr>
           </a:p>
         </p:txBody>
       </p:sp>
@@ -6470,7 +6350,7 @@
         <p:spPr bwMode="auto">
           <a:xfrm>
             <a:off x="476250" y="20011965"/>
-            <a:ext cx="9067800" cy="9549531"/>
+            <a:ext cx="9067800" cy="8026038"/>
           </a:xfrm>
           <a:prstGeom prst="rect">
             <a:avLst/>
@@ -6480,15 +6360,15 @@
             <a:noFill/>
           </a:ln>
           <a:extLst>
-            <a:ext uri="{909E8E84-426E-40DD-AFC4-6F175D3DCCD1}">
-              <a14:hiddenFill xmlns:a14="http://schemas.microsoft.com/office/drawing/2010/main">
+            <a:ext uri="{909E8E84-426E-40dd-AFC4-6F175D3DCCD1}">
+              <a14:hiddenFill xmlns:a14="http://schemas.microsoft.com/office/drawing/2010/main" xmlns="">
                 <a:solidFill>
                   <a:srgbClr val="FFFFFF"/>
                 </a:solidFill>
               </a14:hiddenFill>
             </a:ext>
-            <a:ext uri="{91240B29-F687-4F45-9708-019B960494DF}">
-              <a14:hiddenLine xmlns:a14="http://schemas.microsoft.com/office/drawing/2010/main" w="9525">
+            <a:ext uri="{91240B29-F687-4f45-9708-019B960494DF}">
+              <a14:hiddenLine xmlns:a14="http://schemas.microsoft.com/office/drawing/2010/main" xmlns="" w="9525">
                 <a:solidFill>
                   <a:srgbClr val="000000"/>
                 </a:solidFill>
@@ -6613,17 +6493,11 @@
           <a:p>
             <a:pPr algn="just" eaLnBrk="1" hangingPunct="1"/>
             <a:r>
-              <a:rPr lang="en-US" altLang="en-US" sz="3300" dirty="0" smtClean="0">
+              <a:rPr lang="en-US" altLang="en-US" sz="3300" dirty="0">
                 <a:latin typeface="+mj-lt"/>
               </a:rPr>
               <a:t>The data was collected by a group of 30 individuals who performed 6 activities wearing a smartphone:</a:t>
             </a:r>
-          </a:p>
-          <a:p>
-            <a:pPr algn="just" eaLnBrk="1" hangingPunct="1"/>
-            <a:endParaRPr lang="en-US" altLang="en-US" sz="3300" dirty="0" smtClean="0">
-              <a:latin typeface="+mj-lt"/>
-            </a:endParaRPr>
           </a:p>
           <a:p>
             <a:pPr algn="just" eaLnBrk="1" hangingPunct="1"/>
@@ -6633,7 +6507,7 @@
           </a:p>
           <a:p>
             <a:pPr algn="just" eaLnBrk="1" hangingPunct="1"/>
-            <a:endParaRPr lang="en-US" altLang="en-US" sz="3300" dirty="0" smtClean="0">
+            <a:endParaRPr lang="en-US" altLang="en-US" sz="3300" dirty="0">
               <a:latin typeface="+mj-lt"/>
             </a:endParaRPr>
           </a:p>
@@ -6651,60 +6525,87 @@
           </a:p>
           <a:p>
             <a:pPr algn="just" eaLnBrk="1" hangingPunct="1"/>
+            <a:endParaRPr lang="en-US" altLang="en-US" sz="3300" dirty="0">
+              <a:latin typeface="+mj-lt"/>
+            </a:endParaRPr>
+          </a:p>
+          <a:p>
+            <a:pPr algn="just" eaLnBrk="1" hangingPunct="1"/>
+            <a:r>
+              <a:rPr lang="en-US" altLang="en-US" sz="3300" dirty="0">
+                <a:latin typeface="+mj-lt"/>
+              </a:rPr>
+              <a:t>For each time step, we were given a </a:t>
+            </a:r>
             <a:r>
               <a:rPr lang="en-US" altLang="en-US" sz="3300" dirty="0" smtClean="0">
                 <a:latin typeface="+mj-lt"/>
               </a:rPr>
-              <a:t>For each time step, we were given a label as well as:</a:t>
-            </a:r>
-          </a:p>
-          <a:p>
-            <a:pPr marL="457200" indent="-457200" algn="just" eaLnBrk="1" hangingPunct="1">
-              <a:buFont typeface="Wingdings" charset="2"/>
-              <a:buChar char="§"/>
-            </a:pPr>
+              <a:t>label and</a:t>
+            </a:r>
+            <a:r>
+              <a:rPr lang="en-US" altLang="en-US" sz="3300" dirty="0">
+                <a:latin typeface="+mj-lt"/>
+              </a:rPr>
+              <a:t> a</a:t>
+            </a:r>
+            <a:r>
+              <a:rPr lang="en-US" altLang="en-US" sz="3300" dirty="0" smtClean="0">
+                <a:latin typeface="+mj-lt"/>
+              </a:rPr>
+              <a:t> </a:t>
+            </a:r>
+            <a:r>
+              <a:rPr lang="en-US" altLang="en-US" sz="3300" dirty="0">
+                <a:latin typeface="+mj-lt"/>
+              </a:rPr>
+              <a:t>561-feature vector with time and frequency domain </a:t>
+            </a:r>
+            <a:r>
+              <a:rPr lang="en-US" altLang="en-US" sz="3300" dirty="0" smtClean="0">
+                <a:latin typeface="+mj-lt"/>
+              </a:rPr>
+              <a:t>variables computing from the </a:t>
+            </a:r>
             <a:r>
               <a:rPr lang="en-US" altLang="en-US" sz="3300" dirty="0" err="1" smtClean="0">
                 <a:latin typeface="+mj-lt"/>
               </a:rPr>
-              <a:t>Triaxial</a:t>
+              <a:t>triaxial</a:t>
             </a:r>
             <a:r>
               <a:rPr lang="en-US" altLang="en-US" sz="3300" dirty="0" smtClean="0">
                 <a:latin typeface="+mj-lt"/>
               </a:rPr>
-              <a:t> acceleration from the accelerometer (total acceleration) and the estimated body acceleration.</a:t>
-            </a:r>
-          </a:p>
-          <a:p>
-            <a:pPr marL="457200" indent="-457200" algn="just" eaLnBrk="1" hangingPunct="1">
-              <a:buFont typeface="Wingdings" charset="2"/>
-              <a:buChar char="§"/>
-            </a:pPr>
-            <a:r>
-              <a:rPr lang="en-US" altLang="en-US" sz="3300" dirty="0" err="1" smtClean="0">
-                <a:latin typeface="+mj-lt"/>
-              </a:rPr>
-              <a:t>Triaxial</a:t>
+              <a:t> </a:t>
             </a:r>
             <a:r>
               <a:rPr lang="en-US" altLang="en-US" sz="3300" dirty="0" smtClean="0">
                 <a:latin typeface="+mj-lt"/>
               </a:rPr>
-              <a:t> Angular velocity from the gyroscope. </a:t>
-            </a:r>
-          </a:p>
-          <a:p>
-            <a:pPr marL="457200" indent="-457200" algn="just" eaLnBrk="1" hangingPunct="1">
-              <a:buFont typeface="Wingdings" charset="2"/>
-              <a:buChar char="§"/>
-            </a:pPr>
+              <a:t>acceleration </a:t>
+            </a:r>
             <a:r>
               <a:rPr lang="en-US" altLang="en-US" sz="3300" dirty="0" smtClean="0">
                 <a:latin typeface="+mj-lt"/>
               </a:rPr>
-              <a:t>A 561-feature vector with time and frequency domain variables</a:t>
-            </a:r>
+              <a:t>and angular </a:t>
+            </a:r>
+            <a:r>
+              <a:rPr lang="en-US" altLang="en-US" sz="3300" dirty="0" smtClean="0">
+                <a:latin typeface="+mj-lt"/>
+              </a:rPr>
+              <a:t>velocity </a:t>
+            </a:r>
+            <a:r>
+              <a:rPr lang="en-US" altLang="en-US" sz="3300" dirty="0" smtClean="0">
+                <a:latin typeface="+mj-lt"/>
+              </a:rPr>
+              <a:t>from the sensors</a:t>
+            </a:r>
+            <a:endParaRPr lang="en-US" altLang="en-US" sz="3300" dirty="0">
+              <a:latin typeface="+mj-lt"/>
+            </a:endParaRPr>
           </a:p>
           <a:p>
             <a:pPr algn="just" eaLnBrk="1" hangingPunct="1"/>
@@ -6715,7 +6616,7 @@
           <a:p>
             <a:pPr algn="ctr" eaLnBrk="1" hangingPunct="1"/>
             <a:r>
-              <a:rPr lang="en-US" altLang="en-US" sz="4000" b="1" dirty="0" smtClean="0">
+              <a:rPr lang="en-US" altLang="en-US" sz="4000" b="1" dirty="0">
                 <a:latin typeface="+mj-lt"/>
               </a:rPr>
               <a:t>The objective of this project was to be able to classify any given time series into these 6 classes.</a:t>
@@ -6731,7 +6632,7 @@
         </p:nvSpPr>
         <p:spPr>
           <a:xfrm>
-            <a:off x="450452" y="27327569"/>
+            <a:off x="377825" y="25882951"/>
             <a:ext cx="9264650" cy="2312199"/>
           </a:xfrm>
           <a:prstGeom prst="rect">
@@ -6769,7 +6670,7 @@
           <a:lstStyle/>
           <a:p>
             <a:pPr algn="ctr"/>
-            <a:endParaRPr lang="en-US"/>
+            <a:endParaRPr lang="en-US" dirty="0"/>
           </a:p>
         </p:txBody>
       </p:sp>
@@ -6784,7 +6685,7 @@
         <p:spPr bwMode="auto">
           <a:xfrm>
             <a:off x="10012199" y="11512385"/>
-            <a:ext cx="8696324" cy="16797669"/>
+            <a:ext cx="8696324" cy="25861689"/>
           </a:xfrm>
           <a:prstGeom prst="rect">
             <a:avLst/>
@@ -6794,15 +6695,15 @@
             <a:noFill/>
           </a:ln>
           <a:extLst>
-            <a:ext uri="{909E8E84-426E-40DD-AFC4-6F175D3DCCD1}">
-              <a14:hiddenFill xmlns:a14="http://schemas.microsoft.com/office/drawing/2010/main">
+            <a:ext uri="{909E8E84-426E-40dd-AFC4-6F175D3DCCD1}">
+              <a14:hiddenFill xmlns:a14="http://schemas.microsoft.com/office/drawing/2010/main" xmlns="">
                 <a:solidFill>
                   <a:srgbClr val="FFFFFF"/>
                 </a:solidFill>
               </a14:hiddenFill>
             </a:ext>
-            <a:ext uri="{91240B29-F687-4F45-9708-019B960494DF}">
-              <a14:hiddenLine xmlns:a14="http://schemas.microsoft.com/office/drawing/2010/main" w="9525">
+            <a:ext uri="{91240B29-F687-4f45-9708-019B960494DF}">
+              <a14:hiddenLine xmlns:a14="http://schemas.microsoft.com/office/drawing/2010/main" xmlns="" w="9525">
                 <a:solidFill>
                   <a:srgbClr val="000000"/>
                 </a:solidFill>
@@ -6926,33 +6827,137 @@
           </a:lstStyle>
           <a:p>
             <a:pPr marL="742950" indent="-742950" algn="ctr" eaLnBrk="1" hangingPunct="1">
+              <a:buFontTx/>
               <a:buAutoNum type="alphaUcPeriod"/>
             </a:pPr>
             <a:r>
-              <a:rPr lang="en-US" altLang="en-US" sz="4000" u="sng" dirty="0" smtClean="0">
-                <a:latin typeface="+mj-lt"/>
-              </a:rPr>
-              <a:t>Conditional Random Fields</a:t>
-            </a:r>
-            <a:endParaRPr lang="en-US" altLang="en-US" sz="4000" u="sng" dirty="0">
-              <a:latin typeface="+mj-lt"/>
+              <a:rPr lang="en-US" altLang="en-US" sz="4000" u="sng" dirty="0"/>
+              <a:t>Hidden-Markov </a:t>
+            </a:r>
+            <a:r>
+              <a:rPr lang="en-US" altLang="en-US" sz="4000" u="sng" dirty="0" smtClean="0"/>
+              <a:t>Models</a:t>
+            </a:r>
+          </a:p>
+          <a:p>
+            <a:pPr algn="ctr" eaLnBrk="1" hangingPunct="1"/>
+            <a:endParaRPr lang="en-US" altLang="en-US" sz="4000" u="sng" dirty="0"/>
+          </a:p>
+          <a:p>
+            <a:pPr algn="just" eaLnBrk="1" hangingPunct="1"/>
+            <a:r>
+              <a:rPr lang="en-US" altLang="en-US" sz="3300" dirty="0" smtClean="0">
+                <a:latin typeface="+mn-lt"/>
+              </a:rPr>
+              <a:t>HMM consists of a discrete-time, discrete-state Markov chain with hidden states s(t) and an observation model p(x(t) | z(t)).</a:t>
+            </a:r>
+          </a:p>
+          <a:p>
+            <a:pPr algn="just" eaLnBrk="1" hangingPunct="1"/>
+            <a:r>
+              <a:rPr lang="en-US" altLang="en-US" sz="3300" dirty="0" smtClean="0">
+                <a:latin typeface="+mn-lt"/>
+              </a:rPr>
+              <a:t>The observations are assumed independent.</a:t>
+            </a:r>
+          </a:p>
+          <a:p>
+            <a:pPr algn="just" eaLnBrk="1" hangingPunct="1"/>
+            <a:r>
+              <a:rPr lang="en-US" altLang="en-US" sz="3300" dirty="0" smtClean="0">
+                <a:latin typeface="+mn-lt"/>
+              </a:rPr>
+              <a:t>The joint distribution of the model is:</a:t>
+            </a:r>
+          </a:p>
+          <a:p>
+            <a:pPr algn="just" eaLnBrk="1" hangingPunct="1"/>
+            <a:endParaRPr lang="en-US" altLang="en-US" sz="3300" dirty="0">
+              <a:latin typeface="+mn-lt"/>
             </a:endParaRPr>
           </a:p>
           <a:p>
-            <a:pPr eaLnBrk="1" hangingPunct="1"/>
+            <a:pPr algn="just" eaLnBrk="1" hangingPunct="1"/>
+            <a:endParaRPr lang="en-US" altLang="en-US" sz="3300" dirty="0" smtClean="0">
+              <a:latin typeface="+mn-lt"/>
+            </a:endParaRPr>
+          </a:p>
+          <a:p>
+            <a:pPr algn="just" eaLnBrk="1" hangingPunct="1"/>
+            <a:r>
+              <a:rPr lang="en-US" altLang="en-US" sz="3300" dirty="0" smtClean="0">
+                <a:latin typeface="+mn-lt"/>
+              </a:rPr>
+              <a:t>We focused on two tasks here: </a:t>
+            </a:r>
+            <a:r>
+              <a:rPr lang="en-US" altLang="en-US" sz="3300" b="1" dirty="0" smtClean="0">
+                <a:latin typeface="+mn-lt"/>
+              </a:rPr>
+              <a:t>Decoding </a:t>
+            </a:r>
+            <a:r>
+              <a:rPr lang="en-US" altLang="en-US" sz="3300" dirty="0" smtClean="0">
+                <a:latin typeface="+mn-lt"/>
+              </a:rPr>
+              <a:t>(i.e. </a:t>
+            </a:r>
+            <a:r>
+              <a:rPr lang="en-US" altLang="en-US" sz="3300" dirty="0" smtClean="0">
+                <a:latin typeface="+mn-lt"/>
+              </a:rPr>
+              <a:t>inferring </a:t>
+            </a:r>
+            <a:r>
+              <a:rPr lang="en-US" altLang="en-US" sz="3300" dirty="0" smtClean="0">
+                <a:latin typeface="+mn-lt"/>
+              </a:rPr>
+              <a:t>the most probable states sequence given observations and an HMM) with the Viterbi algorithm and </a:t>
+            </a:r>
+            <a:r>
+              <a:rPr lang="en-US" altLang="en-US" sz="3300" b="1" dirty="0" smtClean="0">
+                <a:latin typeface="+mn-lt"/>
+              </a:rPr>
+              <a:t>Training</a:t>
+            </a:r>
+            <a:r>
+              <a:rPr lang="en-US" altLang="en-US" sz="3300" dirty="0" smtClean="0">
+                <a:latin typeface="+mn-lt"/>
+              </a:rPr>
+              <a:t> (i.e. learning the best HMM parameters given an observation sequence and an initial HMM) with the Baum-Welch algorithm</a:t>
+            </a:r>
+            <a:r>
+              <a:rPr lang="en-US" altLang="en-US" sz="3300" dirty="0" smtClean="0">
+                <a:latin typeface="+mn-lt"/>
+              </a:rPr>
+              <a:t>.</a:t>
+            </a:r>
+            <a:endParaRPr lang="en-US" altLang="en-US" sz="3300" u="sng" dirty="0">
+              <a:latin typeface="+mn-lt"/>
+            </a:endParaRPr>
+          </a:p>
+          <a:p>
+            <a:pPr algn="just" eaLnBrk="1" hangingPunct="1"/>
             <a:endParaRPr lang="en-US" altLang="en-US" sz="4000" u="sng" dirty="0" smtClean="0">
               <a:latin typeface="+mj-lt"/>
             </a:endParaRPr>
           </a:p>
           <a:p>
             <a:pPr marL="742950" indent="-742950" algn="ctr" eaLnBrk="1" hangingPunct="1">
+              <a:buFont typeface="+mj-lt"/>
               <a:buAutoNum type="alphaUcPeriod" startAt="2"/>
             </a:pPr>
             <a:r>
               <a:rPr lang="en-US" altLang="en-US" sz="4000" u="sng" dirty="0" smtClean="0">
                 <a:latin typeface="+mj-lt"/>
               </a:rPr>
-              <a:t>Hidden-Markov Models</a:t>
+              <a:t>Conditional </a:t>
+            </a:r>
+            <a:r>
+              <a:rPr lang="en-US" altLang="en-US" sz="4000" u="sng" dirty="0">
+                <a:latin typeface="+mj-lt"/>
+              </a:rPr>
+              <a:t>Random Fields</a:t>
             </a:r>
           </a:p>
           <a:p>
@@ -6967,44 +6972,99 @@
             <a:pPr marL="742950" indent="-742950" algn="ctr" eaLnBrk="1" hangingPunct="1">
               <a:buAutoNum type="alphaUcPeriod" startAt="2"/>
             </a:pPr>
-            <a:r>
-              <a:rPr lang="en-US" altLang="en-US" sz="4000" u="sng" dirty="0" smtClean="0">
-                <a:latin typeface="+mj-lt"/>
-              </a:rPr>
-              <a:t>Max-Entropy Markov Models</a:t>
-            </a:r>
-          </a:p>
-          <a:p>
-            <a:pPr algn="ctr" eaLnBrk="1" hangingPunct="1"/>
+            <a:endParaRPr lang="en-US" altLang="en-US" sz="4000" u="sng" dirty="0">
+              <a:latin typeface="+mj-lt"/>
+            </a:endParaRPr>
+          </a:p>
+          <a:p>
+            <a:pPr marL="742950" indent="-742950" algn="ctr" eaLnBrk="1" hangingPunct="1">
+              <a:buAutoNum type="alphaUcPeriod" startAt="2"/>
+            </a:pPr>
+            <a:endParaRPr lang="en-US" altLang="en-US" sz="4000" u="sng" dirty="0">
+              <a:latin typeface="+mj-lt"/>
+            </a:endParaRPr>
+          </a:p>
+          <a:p>
+            <a:pPr marL="742950" indent="-742950" algn="ctr" eaLnBrk="1" hangingPunct="1">
+              <a:buAutoNum type="alphaUcPeriod" startAt="2"/>
+            </a:pPr>
             <a:endParaRPr lang="en-US" altLang="en-US" sz="4000" u="sng" dirty="0" smtClean="0">
               <a:latin typeface="+mj-lt"/>
             </a:endParaRPr>
           </a:p>
           <a:p>
+            <a:pPr marL="742950" indent="-742950" algn="ctr" eaLnBrk="1" hangingPunct="1">
+              <a:buAutoNum type="alphaUcPeriod" startAt="2"/>
+            </a:pPr>
+            <a:endParaRPr lang="en-US" altLang="en-US" sz="4000" u="sng" dirty="0">
+              <a:latin typeface="+mj-lt"/>
+            </a:endParaRPr>
+          </a:p>
+          <a:p>
             <a:pPr eaLnBrk="1" hangingPunct="1"/>
             <a:r>
               <a:rPr lang="en-US" sz="3300" dirty="0"/>
-              <a:t>The objective of the MEMM is </a:t>
+              <a:t>CRF is a discriminative sequence model and a generalization of HMM. Its optimization space is over all possible sequence </a:t>
+            </a:r>
+            <a:r>
+              <a:rPr lang="en-US" sz="3300" dirty="0" err="1"/>
+              <a:t>labelings</a:t>
             </a:r>
             <a:r>
               <a:rPr lang="en-US" sz="3300" dirty="0" smtClean="0"/>
-              <a:t>to find a </a:t>
-            </a:r>
+              <a:t>:</a:t>
+            </a:r>
+          </a:p>
+          <a:p>
+            <a:pPr eaLnBrk="1" hangingPunct="1"/>
+            <a:endParaRPr lang="en-US" altLang="en-US" sz="4000" u="sng" dirty="0" smtClean="0">
+              <a:latin typeface="+mj-lt"/>
+            </a:endParaRPr>
+          </a:p>
+          <a:p>
+            <a:pPr eaLnBrk="1" hangingPunct="1"/>
+            <a:endParaRPr lang="en-US" altLang="en-US" sz="4000" u="sng" dirty="0">
+              <a:latin typeface="+mj-lt"/>
+            </a:endParaRPr>
+          </a:p>
+          <a:p>
+            <a:pPr algn="ctr" eaLnBrk="1" hangingPunct="1"/>
+            <a:endParaRPr lang="en-US" altLang="en-US" sz="4000" dirty="0">
+              <a:latin typeface="+mj-lt"/>
+            </a:endParaRPr>
+          </a:p>
+          <a:p>
+            <a:pPr algn="ctr" eaLnBrk="1" hangingPunct="1"/>
+            <a:r>
+              <a:rPr lang="en-US" altLang="en-US" sz="4000" dirty="0" smtClean="0">
+                <a:latin typeface="+mj-lt"/>
+              </a:rPr>
+              <a:t>C.  </a:t>
+            </a:r>
+            <a:r>
+              <a:rPr lang="en-US" altLang="en-US" sz="4000" u="sng" dirty="0" smtClean="0">
+                <a:latin typeface="+mj-lt"/>
+              </a:rPr>
+              <a:t>Max-Entropy </a:t>
+            </a:r>
+            <a:r>
+              <a:rPr lang="en-US" altLang="en-US" sz="4000" u="sng" dirty="0">
+                <a:latin typeface="+mj-lt"/>
+              </a:rPr>
+              <a:t>Markov Models</a:t>
+            </a:r>
+          </a:p>
+          <a:p>
+            <a:pPr algn="just" eaLnBrk="1" hangingPunct="1"/>
+            <a:endParaRPr lang="en-US" altLang="en-US" sz="4000" u="sng" dirty="0">
+              <a:latin typeface="+mj-lt"/>
+            </a:endParaRPr>
+          </a:p>
+          <a:p>
+            <a:pPr algn="just" eaLnBrk="1" hangingPunct="1"/>
             <a:r>
               <a:rPr lang="en-US" sz="3300" dirty="0"/>
-              <a:t>distribution over the possible </a:t>
-            </a:r>
-            <a:r>
-              <a:rPr lang="en-US" sz="3300" dirty="0" smtClean="0"/>
-              <a:t>activities using </a:t>
-            </a:r>
-            <a:r>
-              <a:rPr lang="en-US" sz="3300" dirty="0"/>
-              <a:t>features of the </a:t>
-            </a:r>
-            <a:r>
-              <a:rPr lang="en-US" sz="3300" dirty="0" smtClean="0"/>
-              <a:t>current observation and the previous activity recognized at each time step:</a:t>
+              <a:t>The objective of the MEMM is to find a distribution over the possible activities using features of the current observation and the previous activity recognized at each time step:</a:t>
             </a:r>
           </a:p>
           <a:p>
@@ -7014,128 +7074,98 @@
           <a:p>
             <a:pPr algn="ctr" eaLnBrk="1" hangingPunct="1"/>
             <a:r>
-              <a:rPr lang="en-US" sz="3300" i="1" dirty="0" smtClean="0"/>
+              <a:rPr lang="en-US" sz="3300" i="1" dirty="0"/>
               <a:t>P(</a:t>
             </a:r>
             <a:r>
-              <a:rPr lang="en-US" sz="3300" i="1" dirty="0" err="1" smtClean="0"/>
+              <a:rPr lang="en-US" sz="3300" i="1" dirty="0" err="1"/>
               <a:t>a</a:t>
             </a:r>
             <a:r>
-              <a:rPr lang="en-US" sz="3300" i="1" baseline="-25000" dirty="0" err="1" smtClean="0"/>
+              <a:rPr lang="en-US" sz="3300" i="1" baseline="-25000" dirty="0" err="1"/>
               <a:t>i</a:t>
             </a:r>
             <a:r>
-              <a:rPr lang="en-US" sz="3300" i="1" dirty="0" smtClean="0"/>
+              <a:rPr lang="en-US" sz="3300" i="1" dirty="0"/>
               <a:t>  | a</a:t>
             </a:r>
             <a:r>
-              <a:rPr lang="en-US" sz="3300" i="1" baseline="-25000" dirty="0" smtClean="0"/>
+              <a:rPr lang="en-US" sz="3300" i="1" baseline="-25000" dirty="0"/>
               <a:t>i-1</a:t>
             </a:r>
             <a:r>
-              <a:rPr lang="en-US" sz="3300" i="1" dirty="0" smtClean="0"/>
+              <a:rPr lang="en-US" sz="3300" i="1" dirty="0"/>
               <a:t>, </a:t>
             </a:r>
             <a:r>
-              <a:rPr lang="en-US" sz="3300" i="1" dirty="0" err="1" smtClean="0"/>
+              <a:rPr lang="en-US" sz="3300" i="1" dirty="0" err="1"/>
               <a:t>o</a:t>
             </a:r>
             <a:r>
-              <a:rPr lang="en-US" sz="3300" i="1" baseline="-25000" dirty="0" err="1" smtClean="0"/>
+              <a:rPr lang="en-US" sz="3300" i="1" baseline="-25000" dirty="0" err="1"/>
               <a:t>i</a:t>
             </a:r>
             <a:r>
-              <a:rPr lang="en-US" sz="3300" i="1" dirty="0" smtClean="0"/>
+              <a:rPr lang="en-US" sz="3300" i="1" dirty="0"/>
               <a:t>) = </a:t>
             </a:r>
             <a:r>
-              <a:rPr lang="en-US" sz="3300" dirty="0" err="1" smtClean="0"/>
+              <a:rPr lang="en-US" sz="3300" dirty="0" err="1"/>
               <a:t>softmax</a:t>
             </a:r>
             <a:r>
-              <a:rPr lang="en-US" sz="3300" dirty="0" smtClean="0"/>
+              <a:rPr lang="en-US" sz="3300" dirty="0"/>
               <a:t>(</a:t>
             </a:r>
             <a:r>
-              <a:rPr lang="en-US" sz="3300" i="1" dirty="0" smtClean="0"/>
+              <a:rPr lang="en-US" sz="3300" i="1" dirty="0"/>
               <a:t>f(a</a:t>
             </a:r>
             <a:r>
-              <a:rPr lang="en-US" sz="3300" i="1" baseline="-25000" dirty="0" smtClean="0"/>
+              <a:rPr lang="en-US" sz="3300" i="1" baseline="-25000" dirty="0"/>
               <a:t>i-1</a:t>
             </a:r>
             <a:r>
-              <a:rPr lang="en-US" sz="3300" i="1" dirty="0" smtClean="0"/>
+              <a:rPr lang="en-US" sz="3300" i="1" dirty="0"/>
               <a:t>, </a:t>
             </a:r>
             <a:r>
-              <a:rPr lang="en-US" sz="3300" i="1" dirty="0" err="1" smtClean="0"/>
+              <a:rPr lang="en-US" sz="3300" i="1" dirty="0" err="1"/>
               <a:t>o</a:t>
             </a:r>
             <a:r>
-              <a:rPr lang="en-US" sz="3300" i="1" baseline="-25000" dirty="0" err="1" smtClean="0"/>
+              <a:rPr lang="en-US" sz="3300" i="1" baseline="-25000" dirty="0" err="1"/>
               <a:t>i</a:t>
             </a:r>
             <a:r>
-              <a:rPr lang="en-US" sz="3300" dirty="0" smtClean="0"/>
+              <a:rPr lang="en-US" sz="3300" dirty="0"/>
               <a:t>))</a:t>
             </a:r>
           </a:p>
           <a:p>
             <a:pPr algn="ctr" eaLnBrk="1" hangingPunct="1"/>
-            <a:endParaRPr lang="en-US" sz="3300" i="1" dirty="0" smtClean="0"/>
+            <a:endParaRPr lang="en-US" sz="3300" i="1" dirty="0"/>
           </a:p>
           <a:p>
             <a:pPr algn="just" eaLnBrk="1" hangingPunct="1"/>
             <a:r>
-              <a:rPr lang="en-US" sz="3300" dirty="0" smtClean="0"/>
+              <a:rPr lang="en-US" sz="3300" dirty="0"/>
               <a:t>Where </a:t>
             </a:r>
             <a:r>
-              <a:rPr lang="en-US" sz="3300" i="1" dirty="0" smtClean="0"/>
+              <a:rPr lang="en-US" sz="3300" i="1" dirty="0"/>
               <a:t>f(a, o</a:t>
             </a:r>
             <a:r>
-              <a:rPr lang="en-US" sz="3300" dirty="0" smtClean="0"/>
+              <a:rPr lang="en-US" sz="3300" dirty="0"/>
               <a:t>) </a:t>
-            </a:r>
-            <a:r>
-              <a:rPr lang="en-US" sz="3300" dirty="0" smtClean="0">
-                <a:latin typeface="+mn-lt"/>
-              </a:rPr>
-              <a:t>is the result yielded by the MLP. An MLP is a model </a:t>
             </a:r>
             <a:r>
               <a:rPr lang="en-US" sz="3300" dirty="0">
                 <a:latin typeface="+mn-lt"/>
               </a:rPr>
-              <a:t>that processes information through a series of interconnected computational </a:t>
-            </a:r>
-            <a:r>
-              <a:rPr lang="en-US" sz="3300" dirty="0" smtClean="0">
-                <a:latin typeface="+mn-lt"/>
-              </a:rPr>
-              <a:t>nodes, such as </a:t>
-            </a:r>
-            <a:r>
-              <a:rPr lang="en-US" sz="3300" dirty="0">
-                <a:latin typeface="+mn-lt"/>
-              </a:rPr>
-              <a:t>l</a:t>
-            </a:r>
-            <a:r>
-              <a:rPr lang="en-US" sz="3300" dirty="0" smtClean="0">
-                <a:latin typeface="+mn-lt"/>
-              </a:rPr>
-              <a:t>inear transformation or activation layer that can propagate information in the network. This allows to skip the feature selection step.</a:t>
-            </a:r>
-          </a:p>
-          <a:p>
-            <a:pPr algn="just" eaLnBrk="1" hangingPunct="1"/>
-            <a:endParaRPr lang="en-US" sz="3300" dirty="0" smtClean="0">
-              <a:latin typeface="+mn-lt"/>
-            </a:endParaRPr>
+              <a:t>is the result yielded by the MLP. An MLP is a model that processes information through a series of interconnected computational nodes, such as linear transformation or activation layer that can propagate information in the network. This allows to skip the feature selection step.</a:t>
+            </a:r>
           </a:p>
           <a:p>
             <a:pPr algn="just" eaLnBrk="1" hangingPunct="1"/>
@@ -7145,64 +7175,14 @@
           </a:p>
           <a:p>
             <a:pPr algn="just" eaLnBrk="1" hangingPunct="1"/>
-            <a:endParaRPr lang="en-US" sz="3300" dirty="0" smtClean="0">
+            <a:endParaRPr lang="en-US" sz="3300" dirty="0">
               <a:latin typeface="+mn-lt"/>
             </a:endParaRPr>
           </a:p>
           <a:p>
             <a:pPr algn="just" eaLnBrk="1" hangingPunct="1"/>
             <a:endParaRPr lang="en-US" sz="3300" dirty="0">
-              <a:effectLst/>
               <a:latin typeface="+mn-lt"/>
-            </a:endParaRPr>
-          </a:p>
-          <a:p>
-            <a:pPr algn="ctr" eaLnBrk="1" hangingPunct="1"/>
-            <a:endParaRPr lang="en-US" sz="4000" dirty="0">
-              <a:latin typeface="+mn-lt"/>
-            </a:endParaRPr>
-          </a:p>
-          <a:p>
-            <a:pPr algn="ctr" eaLnBrk="1" hangingPunct="1"/>
-            <a:endParaRPr lang="en-US" sz="4000" dirty="0">
-              <a:latin typeface="+mn-lt"/>
-            </a:endParaRPr>
-          </a:p>
-          <a:p>
-            <a:pPr algn="ctr" eaLnBrk="1" hangingPunct="1"/>
-            <a:r>
-              <a:rPr lang="en-US" sz="4000" dirty="0" smtClean="0">
-                <a:effectLst/>
-                <a:latin typeface="+mn-lt"/>
-              </a:rPr>
-              <a:t>D.  </a:t>
-            </a:r>
-            <a:r>
-              <a:rPr lang="en-US" sz="4000" u="sng" dirty="0" smtClean="0">
-                <a:effectLst/>
-                <a:latin typeface="+mn-lt"/>
-              </a:rPr>
-              <a:t>Viterbi Algorithm</a:t>
-            </a:r>
-            <a:endParaRPr lang="en-US" sz="4000" dirty="0" smtClean="0">
-              <a:effectLst/>
-              <a:latin typeface="+mn-lt"/>
-            </a:endParaRPr>
-          </a:p>
-          <a:p>
-            <a:pPr eaLnBrk="1" hangingPunct="1"/>
-            <a:endParaRPr lang="en-US" altLang="en-US" sz="3300" u="sng" dirty="0" smtClean="0">
-              <a:latin typeface="+mj-lt"/>
-            </a:endParaRPr>
-          </a:p>
-          <a:p>
-            <a:pPr algn="just" eaLnBrk="1" hangingPunct="1"/>
-            <a:r>
-              <a:rPr lang="en-US" sz="3300" dirty="0" smtClean="0"/>
-              <a:t>We used the Viterbi algorithm to find the most likely sequence of hidden states given the observations at each time step.</a:t>
-            </a:r>
-            <a:endParaRPr lang="en-US" altLang="en-US" sz="4000" u="sng" dirty="0">
-              <a:latin typeface="+mj-lt"/>
             </a:endParaRPr>
           </a:p>
         </p:txBody>
@@ -7232,10 +7212,34 @@
                 <a:tableStyleId>{5C22544A-7EE6-4342-B048-85BDC9FD1C3A}</a:tableStyleId>
               </a:tblPr>
               <a:tblGrid>
-                <a:gridCol w="2059682"/>
-                <a:gridCol w="2059682"/>
-                <a:gridCol w="2059682"/>
-                <a:gridCol w="2059682"/>
+                <a:gridCol w="2059682">
+                  <a:extLst>
+                    <a:ext uri="{9D8B030D-6E8A-4147-A177-3AD203B41FA5}">
+                      <a16:colId xmlns="" xmlns:a16="http://schemas.microsoft.com/office/drawing/2014/main" val="20000"/>
+                    </a:ext>
+                  </a:extLst>
+                </a:gridCol>
+                <a:gridCol w="2059682">
+                  <a:extLst>
+                    <a:ext uri="{9D8B030D-6E8A-4147-A177-3AD203B41FA5}">
+                      <a16:colId xmlns="" xmlns:a16="http://schemas.microsoft.com/office/drawing/2014/main" val="20001"/>
+                    </a:ext>
+                  </a:extLst>
+                </a:gridCol>
+                <a:gridCol w="2059682">
+                  <a:extLst>
+                    <a:ext uri="{9D8B030D-6E8A-4147-A177-3AD203B41FA5}">
+                      <a16:colId xmlns="" xmlns:a16="http://schemas.microsoft.com/office/drawing/2014/main" val="20002"/>
+                    </a:ext>
+                  </a:extLst>
+                </a:gridCol>
+                <a:gridCol w="2059682">
+                  <a:extLst>
+                    <a:ext uri="{9D8B030D-6E8A-4147-A177-3AD203B41FA5}">
+                      <a16:colId xmlns="" xmlns:a16="http://schemas.microsoft.com/office/drawing/2014/main" val="20003"/>
+                    </a:ext>
+                  </a:extLst>
+                </a:gridCol>
               </a:tblGrid>
               <a:tr h="979065">
                 <a:tc>
@@ -7258,10 +7262,9 @@
                     <a:lstStyle/>
                     <a:p>
                       <a:r>
-                        <a:rPr lang="en-US" sz="6000" dirty="0" smtClean="0"/>
+                        <a:rPr lang="en-US" sz="6000" dirty="0"/>
                         <a:t>CRF</a:t>
                       </a:r>
-                      <a:endParaRPr lang="en-US" sz="6000" dirty="0"/>
                     </a:p>
                   </a:txBody>
                   <a:tcPr anchor="ctr" anchorCtr="1"/>
@@ -7272,10 +7275,9 @@
                     <a:lstStyle/>
                     <a:p>
                       <a:r>
-                        <a:rPr lang="en-US" sz="5400" dirty="0" smtClean="0"/>
+                        <a:rPr lang="en-US" sz="5400" dirty="0"/>
                         <a:t>HMM</a:t>
                       </a:r>
-                      <a:endParaRPr lang="en-US" sz="5400" dirty="0"/>
                     </a:p>
                   </a:txBody>
                   <a:tcPr anchor="ctr" anchorCtr="1"/>
@@ -7286,14 +7288,18 @@
                     <a:lstStyle/>
                     <a:p>
                       <a:r>
-                        <a:rPr lang="en-US" sz="4400" dirty="0" smtClean="0"/>
+                        <a:rPr lang="en-US" sz="4400" dirty="0"/>
                         <a:t>MEMM</a:t>
                       </a:r>
-                      <a:endParaRPr lang="en-US" sz="4400" dirty="0"/>
                     </a:p>
                   </a:txBody>
                   <a:tcPr anchor="ctr" anchorCtr="1"/>
                 </a:tc>
+                <a:extLst>
+                  <a:ext uri="{0D108BD9-81ED-4DB2-BD59-A6C34878D82A}">
+                    <a16:rowId xmlns="" xmlns:a16="http://schemas.microsoft.com/office/drawing/2014/main" val="10000"/>
+                  </a:ext>
+                </a:extLst>
               </a:tr>
               <a:tr h="951820">
                 <a:tc>
@@ -7302,10 +7308,9 @@
                     <a:lstStyle/>
                     <a:p>
                       <a:r>
-                        <a:rPr lang="en-US" sz="3600" b="1" dirty="0" smtClean="0"/>
+                        <a:rPr lang="en-US" sz="3600" b="1" dirty="0"/>
                         <a:t>Accuracy</a:t>
                       </a:r>
-                      <a:endParaRPr lang="en-US" sz="3600" b="1" dirty="0"/>
                     </a:p>
                   </a:txBody>
                   <a:tcPr anchor="ctr" anchorCtr="1">
@@ -7343,14 +7348,18 @@
                     <a:lstStyle/>
                     <a:p>
                       <a:r>
-                        <a:rPr lang="en-US" sz="4400" dirty="0" smtClean="0"/>
+                        <a:rPr lang="en-US" sz="4400" dirty="0"/>
                         <a:t>92.9%</a:t>
                       </a:r>
-                      <a:endParaRPr lang="en-US" sz="4400" dirty="0"/>
                     </a:p>
                   </a:txBody>
                   <a:tcPr anchor="ctr" anchorCtr="1"/>
                 </a:tc>
+                <a:extLst>
+                  <a:ext uri="{0D108BD9-81ED-4DB2-BD59-A6C34878D82A}">
+                    <a16:rowId xmlns="" xmlns:a16="http://schemas.microsoft.com/office/drawing/2014/main" val="10001"/>
+                  </a:ext>
+                </a:extLst>
               </a:tr>
             </a:tbl>
           </a:graphicData>
@@ -7377,15 +7386,15 @@
             <a:noFill/>
           </a:ln>
           <a:extLst>
-            <a:ext uri="{909E8E84-426E-40DD-AFC4-6F175D3DCCD1}">
-              <a14:hiddenFill xmlns:a14="http://schemas.microsoft.com/office/drawing/2010/main">
+            <a:ext uri="{909E8E84-426E-40dd-AFC4-6F175D3DCCD1}">
+              <a14:hiddenFill xmlns:a14="http://schemas.microsoft.com/office/drawing/2010/main" xmlns="">
                 <a:solidFill>
                   <a:srgbClr val="FFFFFF"/>
                 </a:solidFill>
               </a14:hiddenFill>
             </a:ext>
-            <a:ext uri="{91240B29-F687-4F45-9708-019B960494DF}">
-              <a14:hiddenLine xmlns:a14="http://schemas.microsoft.com/office/drawing/2010/main" w="9525">
+            <a:ext uri="{91240B29-F687-4f45-9708-019B960494DF}">
+              <a14:hiddenLine xmlns:a14="http://schemas.microsoft.com/office/drawing/2010/main" xmlns="" w="9525">
                 <a:solidFill>
                   <a:srgbClr val="000000"/>
                 </a:solidFill>
@@ -7510,7 +7519,7 @@
           <a:p>
             <a:pPr algn="ctr" eaLnBrk="1" hangingPunct="1"/>
             <a:r>
-              <a:rPr lang="en-US" altLang="en-US" sz="3300" dirty="0" smtClean="0">
+              <a:rPr lang="en-US" altLang="en-US" sz="3300" dirty="0">
                 <a:latin typeface="+mj-lt"/>
               </a:rPr>
               <a:t>Data was split into a training and testing with a 70-30 ratio. We also held-out 10% of the training data as validation set. </a:t>
@@ -7518,26 +7527,26 @@
           </a:p>
           <a:p>
             <a:pPr algn="ctr" eaLnBrk="1" hangingPunct="1"/>
-            <a:endParaRPr lang="en-US" altLang="en-US" sz="3300" dirty="0" smtClean="0">
+            <a:endParaRPr lang="en-US" altLang="en-US" sz="3300" dirty="0">
               <a:latin typeface="+mj-lt"/>
             </a:endParaRPr>
           </a:p>
           <a:p>
             <a:pPr algn="ctr" eaLnBrk="1" hangingPunct="1"/>
             <a:r>
-              <a:rPr lang="en-US" altLang="en-US" sz="3300" dirty="0" smtClean="0">
+              <a:rPr lang="en-US" altLang="en-US" sz="3300" dirty="0">
                 <a:latin typeface="+mj-lt"/>
               </a:rPr>
               <a:t>We used Python for the CRF and HMM and </a:t>
             </a:r>
             <a:r>
-              <a:rPr lang="en-US" altLang="en-US" sz="3300" dirty="0" err="1" smtClean="0">
+              <a:rPr lang="en-US" altLang="en-US" sz="3300" dirty="0" err="1">
                 <a:latin typeface="+mj-lt"/>
               </a:rPr>
               <a:t>Lua</a:t>
             </a:r>
             <a:r>
-              <a:rPr lang="en-US" altLang="en-US" sz="3300" dirty="0" smtClean="0">
+              <a:rPr lang="en-US" altLang="en-US" sz="3300" dirty="0">
                 <a:latin typeface="+mj-lt"/>
               </a:rPr>
               <a:t> for the MEMM</a:t>
@@ -7555,7 +7564,7 @@
         </p:nvSpPr>
         <p:spPr bwMode="auto">
           <a:xfrm>
-            <a:off x="18639543" y="37285112"/>
+            <a:off x="18651072" y="37385223"/>
             <a:ext cx="10418762" cy="593233"/>
           </a:xfrm>
           <a:prstGeom prst="rect">
@@ -7566,15 +7575,15 @@
             <a:noFill/>
           </a:ln>
           <a:extLst>
-            <a:ext uri="{909E8E84-426E-40DD-AFC4-6F175D3DCCD1}">
-              <a14:hiddenFill xmlns:a14="http://schemas.microsoft.com/office/drawing/2010/main">
+            <a:ext uri="{909E8E84-426E-40dd-AFC4-6F175D3DCCD1}">
+              <a14:hiddenFill xmlns:a14="http://schemas.microsoft.com/office/drawing/2010/main" xmlns="">
                 <a:solidFill>
                   <a:srgbClr val="FFFFFF"/>
                 </a:solidFill>
               </a14:hiddenFill>
             </a:ext>
-            <a:ext uri="{91240B29-F687-4F45-9708-019B960494DF}">
-              <a14:hiddenLine xmlns:a14="http://schemas.microsoft.com/office/drawing/2010/main" w="9525">
+            <a:ext uri="{91240B29-F687-4f45-9708-019B960494DF}">
+              <a14:hiddenLine xmlns:a14="http://schemas.microsoft.com/office/drawing/2010/main" xmlns="" w="9525">
                 <a:solidFill>
                   <a:srgbClr val="000000"/>
                 </a:solidFill>
@@ -7699,20 +7708,17 @@
           <a:p>
             <a:pPr eaLnBrk="1" hangingPunct="1"/>
             <a:r>
-              <a:rPr lang="en-US" altLang="en-US" sz="3300" b="1" dirty="0" smtClean="0">
+              <a:rPr lang="en-US" altLang="en-US" sz="3300" b="1" dirty="0">
                 <a:latin typeface="Arial" charset="0"/>
               </a:rPr>
               <a:t>Table 3. </a:t>
             </a:r>
             <a:r>
-              <a:rPr lang="en-US" altLang="en-US" sz="3300" dirty="0" smtClean="0">
+              <a:rPr lang="en-US" altLang="en-US" sz="3300" dirty="0">
                 <a:latin typeface="Arial" charset="0"/>
               </a:rPr>
               <a:t>Accuracy on the predicted test sequence</a:t>
             </a:r>
-            <a:endParaRPr lang="en-US" altLang="en-US" sz="3300" dirty="0">
-              <a:latin typeface="Arial" charset="0"/>
-            </a:endParaRPr>
           </a:p>
         </p:txBody>
       </p:sp>
@@ -7763,7 +7769,7 @@
               <a:buChar char="•"/>
             </a:pPr>
             <a:r>
-              <a:rPr lang="en-US" altLang="en-US" sz="3300" dirty="0" smtClean="0"/>
+              <a:rPr lang="en-US" altLang="en-US" sz="3300" dirty="0"/>
               <a:t>Sitting</a:t>
             </a:r>
           </a:p>
@@ -7779,7 +7785,7 @@
               <a:buFont typeface="Arial" charset="0"/>
               <a:buChar char="•"/>
             </a:pPr>
-            <a:endParaRPr lang="en-US" altLang="en-US" sz="3300" dirty="0" smtClean="0"/>
+            <a:endParaRPr lang="en-US" altLang="en-US" sz="3300" dirty="0"/>
           </a:p>
           <a:p>
             <a:pPr marL="457200" indent="-457200" algn="just" eaLnBrk="1" hangingPunct="1">
@@ -7800,7 +7806,7 @@
               <a:buFont typeface="Arial" charset="0"/>
               <a:buChar char="•"/>
             </a:pPr>
-            <a:endParaRPr lang="en-US" altLang="en-US" sz="3300" dirty="0" smtClean="0"/>
+            <a:endParaRPr lang="en-US" altLang="en-US" sz="3300" dirty="0"/>
           </a:p>
           <a:p>
             <a:pPr marL="457200" indent="-457200" algn="just" eaLnBrk="1" hangingPunct="1">
@@ -7808,10 +7814,9 @@
               <a:buChar char="•"/>
             </a:pPr>
             <a:r>
-              <a:rPr lang="en-US" altLang="en-US" sz="3300" dirty="0" smtClean="0"/>
+              <a:rPr lang="en-US" altLang="en-US" sz="3300" dirty="0"/>
               <a:t>Standing</a:t>
             </a:r>
-            <a:endParaRPr lang="en-US" altLang="en-US" sz="3300" dirty="0"/>
           </a:p>
           <a:p>
             <a:pPr marL="457200" indent="-457200" algn="just" eaLnBrk="1" hangingPunct="1">
@@ -7822,7 +7827,6 @@
               <a:rPr lang="en-US" altLang="en-US" sz="3300" dirty="0"/>
               <a:t>Laying </a:t>
             </a:r>
-            <a:endParaRPr lang="en-US" altLang="en-US" sz="3300" dirty="0" smtClean="0"/>
           </a:p>
           <a:p>
             <a:pPr marL="457200" indent="-457200" algn="just">
@@ -7830,7 +7834,7 @@
               <a:buChar char="•"/>
             </a:pPr>
             <a:r>
-              <a:rPr lang="en-US" altLang="en-US" sz="3300" dirty="0" smtClean="0"/>
+              <a:rPr lang="en-US" altLang="en-US" sz="3300" dirty="0"/>
               <a:t>Walking Downstairs</a:t>
             </a:r>
           </a:p>
@@ -7868,7 +7872,7 @@
         </p:blipFill>
         <p:spPr>
           <a:xfrm>
-            <a:off x="10009982" y="22386317"/>
+            <a:off x="9851367" y="35719267"/>
             <a:ext cx="8724807" cy="1626129"/>
           </a:xfrm>
           <a:prstGeom prst="rect">
@@ -7893,7 +7897,7 @@
         </p:nvSpPr>
         <p:spPr bwMode="auto">
           <a:xfrm>
-            <a:off x="10061382" y="24278026"/>
+            <a:off x="9715102" y="37460958"/>
             <a:ext cx="8925945" cy="587622"/>
           </a:xfrm>
           <a:prstGeom prst="rect">
@@ -7904,15 +7908,15 @@
             <a:noFill/>
           </a:ln>
           <a:extLst>
-            <a:ext uri="{909E8E84-426E-40DD-AFC4-6F175D3DCCD1}">
-              <a14:hiddenFill xmlns:a14="http://schemas.microsoft.com/office/drawing/2010/main">
+            <a:ext uri="{909E8E84-426E-40dd-AFC4-6F175D3DCCD1}">
+              <a14:hiddenFill xmlns:a14="http://schemas.microsoft.com/office/drawing/2010/main" xmlns="">
                 <a:solidFill>
                   <a:srgbClr val="FFFFFF"/>
                 </a:solidFill>
               </a14:hiddenFill>
             </a:ext>
-            <a:ext uri="{91240B29-F687-4F45-9708-019B960494DF}">
-              <a14:hiddenLine xmlns:a14="http://schemas.microsoft.com/office/drawing/2010/main" w="9525">
+            <a:ext uri="{91240B29-F687-4f45-9708-019B960494DF}">
+              <a14:hiddenLine xmlns:a14="http://schemas.microsoft.com/office/drawing/2010/main" xmlns="" w="9525">
                 <a:solidFill>
                   <a:srgbClr val="000000"/>
                 </a:solidFill>
@@ -8037,20 +8041,17 @@
           <a:p>
             <a:pPr eaLnBrk="1" hangingPunct="1"/>
             <a:r>
-              <a:rPr lang="en-US" altLang="en-US" sz="3300" b="1" dirty="0" smtClean="0">
+              <a:rPr lang="en-US" altLang="en-US" sz="3300" b="1" dirty="0">
                 <a:latin typeface="Arial" charset="0"/>
               </a:rPr>
               <a:t>Figure 1. </a:t>
             </a:r>
             <a:r>
-              <a:rPr lang="en-US" altLang="en-US" sz="3300" dirty="0" smtClean="0">
+              <a:rPr lang="en-US" altLang="en-US" sz="3300" dirty="0">
                 <a:latin typeface="Arial" charset="0"/>
               </a:rPr>
               <a:t>Example of simple MLP architecture</a:t>
             </a:r>
-            <a:endParaRPr lang="en-US" altLang="en-US" sz="3300" dirty="0">
-              <a:latin typeface="Arial" charset="0"/>
-            </a:endParaRPr>
           </a:p>
         </p:txBody>
       </p:sp>
@@ -8065,7 +8066,7 @@
         <p:spPr bwMode="auto">
           <a:xfrm>
             <a:off x="19028065" y="12189432"/>
-            <a:ext cx="9067800" cy="2624559"/>
+            <a:ext cx="8709812" cy="3132390"/>
           </a:xfrm>
           <a:prstGeom prst="rect">
             <a:avLst/>
@@ -8075,15 +8076,15 @@
             <a:noFill/>
           </a:ln>
           <a:extLst>
-            <a:ext uri="{909E8E84-426E-40DD-AFC4-6F175D3DCCD1}">
-              <a14:hiddenFill xmlns:a14="http://schemas.microsoft.com/office/drawing/2010/main">
+            <a:ext uri="{909E8E84-426E-40dd-AFC4-6F175D3DCCD1}">
+              <a14:hiddenFill xmlns:a14="http://schemas.microsoft.com/office/drawing/2010/main" xmlns="">
                 <a:solidFill>
                   <a:srgbClr val="FFFFFF"/>
                 </a:solidFill>
               </a14:hiddenFill>
             </a:ext>
-            <a:ext uri="{91240B29-F687-4F45-9708-019B960494DF}">
-              <a14:hiddenLine xmlns:a14="http://schemas.microsoft.com/office/drawing/2010/main" w="9525">
+            <a:ext uri="{91240B29-F687-4f45-9708-019B960494DF}">
+              <a14:hiddenLine xmlns:a14="http://schemas.microsoft.com/office/drawing/2010/main" xmlns="" w="9525">
                 <a:solidFill>
                   <a:srgbClr val="000000"/>
                 </a:solidFill>
@@ -8208,14 +8209,11 @@
           <a:p>
             <a:pPr algn="just" eaLnBrk="1" hangingPunct="1"/>
             <a:r>
-              <a:rPr lang="en-US" altLang="en-US" sz="3300" dirty="0" smtClean="0">
+              <a:rPr lang="en-US" altLang="en-US" sz="3300" dirty="0">
                 <a:latin typeface="+mj-lt"/>
               </a:rPr>
               <a:t>Choosing the architecture of an neural network is more an art than a science. We developed a simulated annealing algorithm to explore in a more systematic the range of possible architectures. The pseudo code is presented below:</a:t>
             </a:r>
-            <a:endParaRPr lang="en-US" altLang="en-US" sz="3300" dirty="0">
-              <a:latin typeface="+mj-lt"/>
-            </a:endParaRPr>
           </a:p>
         </p:txBody>
       </p:sp>
@@ -8227,8 +8225,8 @@
         </p:nvSpPr>
         <p:spPr>
           <a:xfrm>
-            <a:off x="19289125" y="15030954"/>
-            <a:ext cx="8699445" cy="8279190"/>
+            <a:off x="19158595" y="15354394"/>
+            <a:ext cx="8448752" cy="8279190"/>
           </a:xfrm>
           <a:prstGeom prst="rect">
             <a:avLst/>
@@ -8242,344 +8240,323 @@
           <a:lstStyle/>
           <a:p>
             <a:r>
-              <a:rPr lang="en-US" sz="2800" b="1" u="sng" dirty="0" smtClean="0">
+              <a:rPr lang="en-US" sz="2800" b="1" u="sng" dirty="0">
                 <a:latin typeface="Courier New" charset="0"/>
                 <a:ea typeface="Courier New" charset="0"/>
                 <a:cs typeface="Courier New" charset="0"/>
               </a:rPr>
               <a:t>Preliminary</a:t>
             </a:r>
-            <a:r>
-              <a:rPr lang="en-US" sz="2800" dirty="0" smtClean="0">
-                <a:latin typeface="Courier New" charset="0"/>
-                <a:ea typeface="Courier New" charset="0"/>
-                <a:cs typeface="Courier New" charset="0"/>
-              </a:rPr>
-              <a:t>: Choose a “maximal” architecture to prune</a:t>
-            </a:r>
-          </a:p>
-          <a:p>
-            <a:pPr marL="514350" indent="-514350">
-              <a:buAutoNum type="arabicPeriod"/>
-            </a:pPr>
-            <a:endParaRPr lang="en-US" sz="2800" dirty="0" smtClean="0">
-              <a:latin typeface="Courier New" charset="0"/>
-              <a:ea typeface="Courier New" charset="0"/>
-              <a:cs typeface="Courier New" charset="0"/>
-            </a:endParaRPr>
-          </a:p>
-          <a:p>
-            <a:pPr marL="514350" indent="-514350">
-              <a:buAutoNum type="arabicPeriod"/>
-            </a:pPr>
-            <a:r>
-              <a:rPr lang="en-US" sz="2800" dirty="0" smtClean="0">
-                <a:latin typeface="Courier New" charset="0"/>
-                <a:ea typeface="Courier New" charset="0"/>
-                <a:cs typeface="Courier New" charset="0"/>
-              </a:rPr>
-              <a:t> Select a </a:t>
-            </a:r>
-            <a:r>
-              <a:rPr lang="en-US" sz="2800" b="1" dirty="0" smtClean="0">
-                <a:latin typeface="Courier New" charset="0"/>
-                <a:ea typeface="Courier New" charset="0"/>
-                <a:cs typeface="Courier New" charset="0"/>
-              </a:rPr>
-              <a:t>subset</a:t>
-            </a:r>
-            <a:r>
-              <a:rPr lang="en-US" sz="2800" dirty="0" smtClean="0">
-                <a:latin typeface="Courier New" charset="0"/>
-                <a:ea typeface="Courier New" charset="0"/>
-                <a:cs typeface="Courier New" charset="0"/>
-              </a:rPr>
-              <a:t> of this architecture as initial architecture and </a:t>
-            </a:r>
-            <a:r>
-              <a:rPr lang="en-US" sz="2800" b="1" dirty="0" smtClean="0">
-                <a:latin typeface="Courier New" charset="0"/>
-                <a:ea typeface="Courier New" charset="0"/>
-                <a:cs typeface="Courier New" charset="0"/>
-              </a:rPr>
-              <a:t>train</a:t>
-            </a:r>
-            <a:r>
-              <a:rPr lang="en-US" sz="2800" dirty="0" smtClean="0">
-                <a:latin typeface="Courier New" charset="0"/>
-                <a:ea typeface="Courier New" charset="0"/>
-                <a:cs typeface="Courier New" charset="0"/>
-              </a:rPr>
-              <a:t> the model</a:t>
-            </a:r>
-          </a:p>
-          <a:p>
-            <a:pPr marL="514350" indent="-514350">
-              <a:buAutoNum type="arabicPeriod"/>
-            </a:pPr>
-            <a:r>
-              <a:rPr lang="en-US" sz="2800" dirty="0" smtClean="0">
-                <a:latin typeface="Courier New" charset="0"/>
-                <a:ea typeface="Courier New" charset="0"/>
-                <a:cs typeface="Courier New" charset="0"/>
-              </a:rPr>
-              <a:t> Evaluate the </a:t>
-            </a:r>
-            <a:r>
-              <a:rPr lang="en-US" sz="2800" b="1" dirty="0" smtClean="0">
-                <a:latin typeface="Courier New" charset="0"/>
-                <a:ea typeface="Courier New" charset="0"/>
-                <a:cs typeface="Courier New" charset="0"/>
-              </a:rPr>
-              <a:t>cost</a:t>
-            </a:r>
-            <a:r>
-              <a:rPr lang="en-US" sz="2800" dirty="0" smtClean="0">
-                <a:latin typeface="Courier New" charset="0"/>
-                <a:ea typeface="Courier New" charset="0"/>
-                <a:cs typeface="Courier New" charset="0"/>
-              </a:rPr>
-              <a:t> </a:t>
-            </a:r>
-            <a:r>
-              <a:rPr lang="en-US" sz="2800" b="1" dirty="0" err="1" smtClean="0">
-                <a:latin typeface="Courier New" charset="0"/>
-                <a:ea typeface="Courier New" charset="0"/>
-                <a:cs typeface="Courier New" charset="0"/>
-              </a:rPr>
-              <a:t>C</a:t>
-            </a:r>
-            <a:r>
-              <a:rPr lang="en-US" sz="2800" b="1" baseline="-25000" dirty="0" err="1" smtClean="0">
-                <a:latin typeface="Courier New" charset="0"/>
-                <a:ea typeface="Courier New" charset="0"/>
-                <a:cs typeface="Courier New" charset="0"/>
-              </a:rPr>
-              <a:t>curr</a:t>
-            </a:r>
-            <a:r>
-              <a:rPr lang="en-US" sz="2800" dirty="0" smtClean="0">
-                <a:latin typeface="Courier New" charset="0"/>
-                <a:ea typeface="Courier New" charset="0"/>
-                <a:cs typeface="Courier New" charset="0"/>
-              </a:rPr>
-              <a:t> associated with this model</a:t>
-            </a:r>
-          </a:p>
-          <a:p>
-            <a:pPr marL="514350" indent="-514350">
-              <a:buAutoNum type="arabicPeriod"/>
-            </a:pPr>
             <a:r>
               <a:rPr lang="en-US" sz="2800" dirty="0">
                 <a:latin typeface="Courier New" charset="0"/>
                 <a:ea typeface="Courier New" charset="0"/>
                 <a:cs typeface="Courier New" charset="0"/>
               </a:rPr>
-              <a:t> </a:t>
-            </a:r>
-            <a:r>
-              <a:rPr lang="en-US" sz="2800" b="1" dirty="0" smtClean="0">
-                <a:latin typeface="Courier New" charset="0"/>
-                <a:ea typeface="Courier New" charset="0"/>
-                <a:cs typeface="Courier New" charset="0"/>
-              </a:rPr>
-              <a:t>Sample</a:t>
-            </a:r>
-            <a:r>
-              <a:rPr lang="en-US" sz="2800" dirty="0" smtClean="0">
-                <a:latin typeface="Courier New" charset="0"/>
-                <a:ea typeface="Courier New" charset="0"/>
-                <a:cs typeface="Courier New" charset="0"/>
-              </a:rPr>
-              <a:t> a new architecture by </a:t>
-            </a:r>
-            <a:r>
-              <a:rPr lang="en-US" sz="2800" b="1" dirty="0" smtClean="0">
-                <a:latin typeface="Courier New" charset="0"/>
-                <a:ea typeface="Courier New" charset="0"/>
-                <a:cs typeface="Courier New" charset="0"/>
-              </a:rPr>
-              <a:t>perturbing</a:t>
-            </a:r>
-            <a:r>
-              <a:rPr lang="en-US" sz="2800" dirty="0" smtClean="0">
-                <a:latin typeface="Courier New" charset="0"/>
-                <a:ea typeface="Courier New" charset="0"/>
-                <a:cs typeface="Courier New" charset="0"/>
-              </a:rPr>
-              <a:t> the current one and evaluate the cost </a:t>
-            </a:r>
-            <a:r>
-              <a:rPr lang="en-US" sz="2800" b="1" dirty="0" err="1" smtClean="0">
-                <a:latin typeface="Courier New" charset="0"/>
-                <a:ea typeface="Courier New" charset="0"/>
-                <a:cs typeface="Courier New" charset="0"/>
-              </a:rPr>
-              <a:t>C</a:t>
-            </a:r>
-            <a:r>
-              <a:rPr lang="en-US" sz="2800" b="1" baseline="-25000" dirty="0" err="1" smtClean="0">
-                <a:latin typeface="Courier New" charset="0"/>
-                <a:ea typeface="Courier New" charset="0"/>
-                <a:cs typeface="Courier New" charset="0"/>
-              </a:rPr>
-              <a:t>new</a:t>
-            </a:r>
-            <a:r>
-              <a:rPr lang="en-US" sz="2800" dirty="0">
-                <a:latin typeface="Courier New" charset="0"/>
-                <a:ea typeface="Courier New" charset="0"/>
-                <a:cs typeface="Courier New" charset="0"/>
-              </a:rPr>
-              <a:t> </a:t>
-            </a:r>
-            <a:r>
-              <a:rPr lang="en-US" sz="2800" dirty="0" smtClean="0">
-                <a:latin typeface="Courier New" charset="0"/>
-                <a:ea typeface="Courier New" charset="0"/>
-                <a:cs typeface="Courier New" charset="0"/>
-              </a:rPr>
-              <a:t>after training</a:t>
-            </a:r>
-            <a:endParaRPr lang="en-US" sz="2800" b="1" baseline="-25000" dirty="0" smtClean="0">
-              <a:latin typeface="Courier New" charset="0"/>
-              <a:ea typeface="Courier New" charset="0"/>
-              <a:cs typeface="Courier New" charset="0"/>
-            </a:endParaRPr>
+              <a:t>: Choose a “maximal” architecture to prune</a:t>
+            </a:r>
           </a:p>
           <a:p>
             <a:pPr marL="514350" indent="-514350">
               <a:buAutoNum type="arabicPeriod"/>
             </a:pPr>
-            <a:r>
-              <a:rPr lang="en-US" sz="2800" dirty="0" smtClean="0">
-                <a:latin typeface="Courier New" charset="0"/>
-                <a:ea typeface="Courier New" charset="0"/>
-                <a:cs typeface="Courier New" charset="0"/>
-              </a:rPr>
-              <a:t> Accept this new architecture with probability:</a:t>
-            </a:r>
-          </a:p>
-          <a:p>
-            <a:endParaRPr lang="en-US" sz="2800" dirty="0" smtClean="0">
-              <a:latin typeface="Courier New" charset="0"/>
-              <a:ea typeface="Courier New" charset="0"/>
-              <a:cs typeface="Courier New" charset="0"/>
-            </a:endParaRPr>
-          </a:p>
-          <a:p>
-            <a:pPr algn="ctr"/>
-            <a:r>
-              <a:rPr lang="en-US" sz="2800" b="1" dirty="0" err="1">
-                <a:latin typeface="Courier New" charset="0"/>
-                <a:ea typeface="Courier New" charset="0"/>
-                <a:cs typeface="Courier New" charset="0"/>
-              </a:rPr>
-              <a:t>e</a:t>
-            </a:r>
-            <a:r>
-              <a:rPr lang="en-US" sz="2800" b="1" dirty="0" err="1" smtClean="0">
-                <a:latin typeface="Courier New" charset="0"/>
-                <a:ea typeface="Courier New" charset="0"/>
-                <a:cs typeface="Courier New" charset="0"/>
-              </a:rPr>
-              <a:t>xp</a:t>
-            </a:r>
-            <a:r>
-              <a:rPr lang="en-US" sz="2800" b="1" dirty="0" smtClean="0">
-                <a:latin typeface="Courier New" charset="0"/>
-                <a:ea typeface="Courier New" charset="0"/>
-                <a:cs typeface="Courier New" charset="0"/>
-              </a:rPr>
-              <a:t>(-(</a:t>
-            </a:r>
-            <a:r>
-              <a:rPr lang="en-US" sz="2800" b="1" dirty="0" err="1" smtClean="0">
-                <a:latin typeface="Courier New" charset="0"/>
-                <a:ea typeface="Courier New" charset="0"/>
-                <a:cs typeface="Courier New" charset="0"/>
-              </a:rPr>
-              <a:t>C</a:t>
-            </a:r>
-            <a:r>
-              <a:rPr lang="en-US" sz="2800" b="1" baseline="-25000" dirty="0" err="1" smtClean="0">
-                <a:latin typeface="Courier New" charset="0"/>
-                <a:ea typeface="Courier New" charset="0"/>
-                <a:cs typeface="Courier New" charset="0"/>
-              </a:rPr>
-              <a:t>new</a:t>
-            </a:r>
-            <a:r>
-              <a:rPr lang="en-US" sz="2800" b="1" dirty="0" err="1" smtClean="0">
-                <a:latin typeface="Courier New" charset="0"/>
-                <a:ea typeface="Courier New" charset="0"/>
-                <a:cs typeface="Courier New" charset="0"/>
-              </a:rPr>
-              <a:t>-C</a:t>
-            </a:r>
-            <a:r>
-              <a:rPr lang="en-US" sz="2800" b="1" baseline="-25000" dirty="0" err="1" smtClean="0">
-                <a:latin typeface="Courier New" charset="0"/>
-                <a:ea typeface="Courier New" charset="0"/>
-                <a:cs typeface="Courier New" charset="0"/>
-              </a:rPr>
-              <a:t>curr</a:t>
-            </a:r>
-            <a:r>
-              <a:rPr lang="en-US" sz="2800" b="1" dirty="0" smtClean="0">
-                <a:latin typeface="Courier New" charset="0"/>
-                <a:ea typeface="Courier New" charset="0"/>
-                <a:cs typeface="Courier New" charset="0"/>
-              </a:rPr>
-              <a:t>)/T)</a:t>
-            </a:r>
-          </a:p>
-          <a:p>
-            <a:pPr algn="ctr"/>
-            <a:endParaRPr lang="en-US" sz="2800" dirty="0" smtClean="0">
-              <a:latin typeface="Courier New" charset="0"/>
-              <a:ea typeface="Courier New" charset="0"/>
-              <a:cs typeface="Courier New" charset="0"/>
-            </a:endParaRPr>
-          </a:p>
-          <a:p>
-            <a:pPr algn="ctr"/>
-            <a:r>
-              <a:rPr lang="en-US" sz="2800" dirty="0" smtClean="0">
-                <a:latin typeface="Courier New" charset="0"/>
-                <a:ea typeface="Courier New" charset="0"/>
-                <a:cs typeface="Courier New" charset="0"/>
-              </a:rPr>
-              <a:t> where T is a ‘temperature’ parameter       </a:t>
-            </a:r>
-          </a:p>
-          <a:p>
-            <a:pPr lvl="1"/>
-            <a:r>
-              <a:rPr lang="en-US" sz="2800" dirty="0" smtClean="0">
-                <a:latin typeface="Courier New" charset="0"/>
-                <a:ea typeface="Courier New" charset="0"/>
-                <a:cs typeface="Courier New" charset="0"/>
-              </a:rPr>
-              <a:t>that dictates the acceptance rate</a:t>
-            </a:r>
-          </a:p>
-          <a:p>
-            <a:pPr lvl="1"/>
-            <a:r>
-              <a:rPr lang="en-US" sz="2800" dirty="0" smtClean="0">
-                <a:latin typeface="Courier New" charset="0"/>
-                <a:ea typeface="Courier New" charset="0"/>
-                <a:cs typeface="Courier New" charset="0"/>
-              </a:rPr>
-              <a:t>5. Repeat (2 – 4) until convergence </a:t>
-            </a:r>
             <a:endParaRPr lang="en-US" sz="2800" dirty="0">
               <a:latin typeface="Courier New" charset="0"/>
               <a:ea typeface="Courier New" charset="0"/>
               <a:cs typeface="Courier New" charset="0"/>
             </a:endParaRPr>
+          </a:p>
+          <a:p>
+            <a:pPr marL="514350" indent="-514350">
+              <a:buAutoNum type="arabicPeriod"/>
+            </a:pPr>
+            <a:r>
+              <a:rPr lang="en-US" sz="2800" dirty="0">
+                <a:latin typeface="Courier New" charset="0"/>
+                <a:ea typeface="Courier New" charset="0"/>
+                <a:cs typeface="Courier New" charset="0"/>
+              </a:rPr>
+              <a:t> Select a </a:t>
+            </a:r>
+            <a:r>
+              <a:rPr lang="en-US" sz="2800" b="1" dirty="0">
+                <a:latin typeface="Courier New" charset="0"/>
+                <a:ea typeface="Courier New" charset="0"/>
+                <a:cs typeface="Courier New" charset="0"/>
+              </a:rPr>
+              <a:t>subset</a:t>
+            </a:r>
+            <a:r>
+              <a:rPr lang="en-US" sz="2800" dirty="0">
+                <a:latin typeface="Courier New" charset="0"/>
+                <a:ea typeface="Courier New" charset="0"/>
+                <a:cs typeface="Courier New" charset="0"/>
+              </a:rPr>
+              <a:t> of this architecture as initial architecture and </a:t>
+            </a:r>
+            <a:r>
+              <a:rPr lang="en-US" sz="2800" b="1" dirty="0">
+                <a:latin typeface="Courier New" charset="0"/>
+                <a:ea typeface="Courier New" charset="0"/>
+                <a:cs typeface="Courier New" charset="0"/>
+              </a:rPr>
+              <a:t>train</a:t>
+            </a:r>
+            <a:r>
+              <a:rPr lang="en-US" sz="2800" dirty="0">
+                <a:latin typeface="Courier New" charset="0"/>
+                <a:ea typeface="Courier New" charset="0"/>
+                <a:cs typeface="Courier New" charset="0"/>
+              </a:rPr>
+              <a:t> the model</a:t>
+            </a:r>
+          </a:p>
+          <a:p>
+            <a:pPr marL="514350" indent="-514350">
+              <a:buAutoNum type="arabicPeriod"/>
+            </a:pPr>
+            <a:r>
+              <a:rPr lang="en-US" sz="2800" dirty="0">
+                <a:latin typeface="Courier New" charset="0"/>
+                <a:ea typeface="Courier New" charset="0"/>
+                <a:cs typeface="Courier New" charset="0"/>
+              </a:rPr>
+              <a:t> Evaluate the </a:t>
+            </a:r>
+            <a:r>
+              <a:rPr lang="en-US" sz="2800" b="1" dirty="0">
+                <a:latin typeface="Courier New" charset="0"/>
+                <a:ea typeface="Courier New" charset="0"/>
+                <a:cs typeface="Courier New" charset="0"/>
+              </a:rPr>
+              <a:t>cost</a:t>
+            </a:r>
+            <a:r>
+              <a:rPr lang="en-US" sz="2800" dirty="0">
+                <a:latin typeface="Courier New" charset="0"/>
+                <a:ea typeface="Courier New" charset="0"/>
+                <a:cs typeface="Courier New" charset="0"/>
+              </a:rPr>
+              <a:t> </a:t>
+            </a:r>
+            <a:r>
+              <a:rPr lang="en-US" sz="2800" b="1" dirty="0" err="1">
+                <a:latin typeface="Courier New" charset="0"/>
+                <a:ea typeface="Courier New" charset="0"/>
+                <a:cs typeface="Courier New" charset="0"/>
+              </a:rPr>
+              <a:t>C</a:t>
+            </a:r>
+            <a:r>
+              <a:rPr lang="en-US" sz="2800" b="1" baseline="-25000" dirty="0" err="1">
+                <a:latin typeface="Courier New" charset="0"/>
+                <a:ea typeface="Courier New" charset="0"/>
+                <a:cs typeface="Courier New" charset="0"/>
+              </a:rPr>
+              <a:t>curr</a:t>
+            </a:r>
+            <a:r>
+              <a:rPr lang="en-US" sz="2800" dirty="0">
+                <a:latin typeface="Courier New" charset="0"/>
+                <a:ea typeface="Courier New" charset="0"/>
+                <a:cs typeface="Courier New" charset="0"/>
+              </a:rPr>
+              <a:t> associated with this model</a:t>
+            </a:r>
+          </a:p>
+          <a:p>
+            <a:pPr marL="514350" indent="-514350">
+              <a:buAutoNum type="arabicPeriod"/>
+            </a:pPr>
+            <a:r>
+              <a:rPr lang="en-US" sz="2800" dirty="0">
+                <a:latin typeface="Courier New" charset="0"/>
+                <a:ea typeface="Courier New" charset="0"/>
+                <a:cs typeface="Courier New" charset="0"/>
+              </a:rPr>
+              <a:t> </a:t>
+            </a:r>
+            <a:r>
+              <a:rPr lang="en-US" sz="2800" b="1" dirty="0">
+                <a:latin typeface="Courier New" charset="0"/>
+                <a:ea typeface="Courier New" charset="0"/>
+                <a:cs typeface="Courier New" charset="0"/>
+              </a:rPr>
+              <a:t>Sample</a:t>
+            </a:r>
+            <a:r>
+              <a:rPr lang="en-US" sz="2800" dirty="0">
+                <a:latin typeface="Courier New" charset="0"/>
+                <a:ea typeface="Courier New" charset="0"/>
+                <a:cs typeface="Courier New" charset="0"/>
+              </a:rPr>
+              <a:t> a new architecture by </a:t>
+            </a:r>
+            <a:r>
+              <a:rPr lang="en-US" sz="2800" b="1" dirty="0">
+                <a:latin typeface="Courier New" charset="0"/>
+                <a:ea typeface="Courier New" charset="0"/>
+                <a:cs typeface="Courier New" charset="0"/>
+              </a:rPr>
+              <a:t>perturbing</a:t>
+            </a:r>
+            <a:r>
+              <a:rPr lang="en-US" sz="2800" dirty="0">
+                <a:latin typeface="Courier New" charset="0"/>
+                <a:ea typeface="Courier New" charset="0"/>
+                <a:cs typeface="Courier New" charset="0"/>
+              </a:rPr>
+              <a:t> the current one and evaluate the cost </a:t>
+            </a:r>
+            <a:r>
+              <a:rPr lang="en-US" sz="2800" b="1" dirty="0" err="1">
+                <a:latin typeface="Courier New" charset="0"/>
+                <a:ea typeface="Courier New" charset="0"/>
+                <a:cs typeface="Courier New" charset="0"/>
+              </a:rPr>
+              <a:t>C</a:t>
+            </a:r>
+            <a:r>
+              <a:rPr lang="en-US" sz="2800" b="1" baseline="-25000" dirty="0" err="1">
+                <a:latin typeface="Courier New" charset="0"/>
+                <a:ea typeface="Courier New" charset="0"/>
+                <a:cs typeface="Courier New" charset="0"/>
+              </a:rPr>
+              <a:t>new</a:t>
+            </a:r>
+            <a:r>
+              <a:rPr lang="en-US" sz="2800" dirty="0">
+                <a:latin typeface="Courier New" charset="0"/>
+                <a:ea typeface="Courier New" charset="0"/>
+                <a:cs typeface="Courier New" charset="0"/>
+              </a:rPr>
+              <a:t> after training</a:t>
+            </a:r>
+            <a:endParaRPr lang="en-US" sz="2800" b="1" baseline="-25000" dirty="0">
+              <a:latin typeface="Courier New" charset="0"/>
+              <a:ea typeface="Courier New" charset="0"/>
+              <a:cs typeface="Courier New" charset="0"/>
+            </a:endParaRPr>
+          </a:p>
+          <a:p>
+            <a:pPr marL="514350" indent="-514350">
+              <a:buAutoNum type="arabicPeriod"/>
+            </a:pPr>
+            <a:r>
+              <a:rPr lang="en-US" sz="2800" dirty="0">
+                <a:latin typeface="Courier New" charset="0"/>
+                <a:ea typeface="Courier New" charset="0"/>
+                <a:cs typeface="Courier New" charset="0"/>
+              </a:rPr>
+              <a:t> Accept this new architecture with probability:</a:t>
+            </a:r>
+          </a:p>
+          <a:p>
+            <a:endParaRPr lang="en-US" sz="2800" dirty="0">
+              <a:latin typeface="Courier New" charset="0"/>
+              <a:ea typeface="Courier New" charset="0"/>
+              <a:cs typeface="Courier New" charset="0"/>
+            </a:endParaRPr>
+          </a:p>
+          <a:p>
+            <a:pPr algn="ctr"/>
+            <a:r>
+              <a:rPr lang="en-US" sz="2800" b="1" dirty="0" err="1">
+                <a:latin typeface="Courier New" charset="0"/>
+                <a:ea typeface="Courier New" charset="0"/>
+                <a:cs typeface="Courier New" charset="0"/>
+              </a:rPr>
+              <a:t>exp</a:t>
+            </a:r>
+            <a:r>
+              <a:rPr lang="en-US" sz="2800" b="1" dirty="0">
+                <a:latin typeface="Courier New" charset="0"/>
+                <a:ea typeface="Courier New" charset="0"/>
+                <a:cs typeface="Courier New" charset="0"/>
+              </a:rPr>
+              <a:t>(-(</a:t>
+            </a:r>
+            <a:r>
+              <a:rPr lang="en-US" sz="2800" b="1" dirty="0" err="1">
+                <a:latin typeface="Courier New" charset="0"/>
+                <a:ea typeface="Courier New" charset="0"/>
+                <a:cs typeface="Courier New" charset="0"/>
+              </a:rPr>
+              <a:t>C</a:t>
+            </a:r>
+            <a:r>
+              <a:rPr lang="en-US" sz="2800" b="1" baseline="-25000" dirty="0" err="1">
+                <a:latin typeface="Courier New" charset="0"/>
+                <a:ea typeface="Courier New" charset="0"/>
+                <a:cs typeface="Courier New" charset="0"/>
+              </a:rPr>
+              <a:t>new</a:t>
+            </a:r>
+            <a:r>
+              <a:rPr lang="en-US" sz="2800" b="1" dirty="0" err="1">
+                <a:latin typeface="Courier New" charset="0"/>
+                <a:ea typeface="Courier New" charset="0"/>
+                <a:cs typeface="Courier New" charset="0"/>
+              </a:rPr>
+              <a:t>-C</a:t>
+            </a:r>
+            <a:r>
+              <a:rPr lang="en-US" sz="2800" b="1" baseline="-25000" dirty="0" err="1">
+                <a:latin typeface="Courier New" charset="0"/>
+                <a:ea typeface="Courier New" charset="0"/>
+                <a:cs typeface="Courier New" charset="0"/>
+              </a:rPr>
+              <a:t>curr</a:t>
+            </a:r>
+            <a:r>
+              <a:rPr lang="en-US" sz="2800" b="1" dirty="0">
+                <a:latin typeface="Courier New" charset="0"/>
+                <a:ea typeface="Courier New" charset="0"/>
+                <a:cs typeface="Courier New" charset="0"/>
+              </a:rPr>
+              <a:t>)/T)</a:t>
+            </a:r>
+          </a:p>
+          <a:p>
+            <a:pPr algn="ctr"/>
+            <a:endParaRPr lang="en-US" sz="2800" dirty="0">
+              <a:latin typeface="Courier New" charset="0"/>
+              <a:ea typeface="Courier New" charset="0"/>
+              <a:cs typeface="Courier New" charset="0"/>
+            </a:endParaRPr>
+          </a:p>
+          <a:p>
+            <a:pPr algn="ctr"/>
+            <a:r>
+              <a:rPr lang="en-US" sz="2800" dirty="0">
+                <a:latin typeface="Courier New" charset="0"/>
+                <a:ea typeface="Courier New" charset="0"/>
+                <a:cs typeface="Courier New" charset="0"/>
+              </a:rPr>
+              <a:t> where T is a ‘temperature’ parameter       </a:t>
+            </a:r>
+          </a:p>
+          <a:p>
+            <a:pPr lvl="1"/>
+            <a:r>
+              <a:rPr lang="en-US" sz="2800" dirty="0">
+                <a:latin typeface="Courier New" charset="0"/>
+                <a:ea typeface="Courier New" charset="0"/>
+                <a:cs typeface="Courier New" charset="0"/>
+              </a:rPr>
+              <a:t>that dictates the acceptance rate</a:t>
+            </a:r>
+          </a:p>
+          <a:p>
+            <a:pPr lvl="1"/>
+            <a:r>
+              <a:rPr lang="en-US" sz="2800" dirty="0">
+                <a:latin typeface="Courier New" charset="0"/>
+                <a:ea typeface="Courier New" charset="0"/>
+                <a:cs typeface="Courier New" charset="0"/>
+              </a:rPr>
+              <a:t>5. Repeat (2 – 4) until convergence </a:t>
+            </a:r>
           </a:p>
         </p:txBody>
       </p:sp>
@@ -8605,7 +8582,7 @@
         </p:blipFill>
         <p:spPr>
           <a:xfrm>
-            <a:off x="20107888" y="23407224"/>
+            <a:off x="19948197" y="23666156"/>
             <a:ext cx="7061918" cy="4695764"/>
           </a:xfrm>
           <a:prstGeom prst="rect">
@@ -8623,7 +8600,7 @@
         </p:nvSpPr>
         <p:spPr bwMode="auto">
           <a:xfrm>
-            <a:off x="19350031" y="28284234"/>
+            <a:off x="19253159" y="28552042"/>
             <a:ext cx="8925945" cy="587622"/>
           </a:xfrm>
           <a:prstGeom prst="rect">
@@ -8634,15 +8611,15 @@
             <a:noFill/>
           </a:ln>
           <a:extLst>
-            <a:ext uri="{909E8E84-426E-40DD-AFC4-6F175D3DCCD1}">
-              <a14:hiddenFill xmlns:a14="http://schemas.microsoft.com/office/drawing/2010/main">
+            <a:ext uri="{909E8E84-426E-40dd-AFC4-6F175D3DCCD1}">
+              <a14:hiddenFill xmlns:a14="http://schemas.microsoft.com/office/drawing/2010/main" xmlns="">
                 <a:solidFill>
                   <a:srgbClr val="FFFFFF"/>
                 </a:solidFill>
               </a14:hiddenFill>
             </a:ext>
-            <a:ext uri="{91240B29-F687-4F45-9708-019B960494DF}">
-              <a14:hiddenLine xmlns:a14="http://schemas.microsoft.com/office/drawing/2010/main" w="9525">
+            <a:ext uri="{91240B29-F687-4f45-9708-019B960494DF}">
+              <a14:hiddenLine xmlns:a14="http://schemas.microsoft.com/office/drawing/2010/main" xmlns="" w="9525">
                 <a:solidFill>
                   <a:srgbClr val="000000"/>
                 </a:solidFill>
@@ -8767,23 +8744,98 @@
           <a:p>
             <a:pPr eaLnBrk="1" hangingPunct="1"/>
             <a:r>
-              <a:rPr lang="en-US" altLang="en-US" sz="3300" b="1" dirty="0" smtClean="0">
+              <a:rPr lang="en-US" altLang="en-US" sz="3300" b="1" dirty="0">
                 <a:latin typeface="Arial" charset="0"/>
               </a:rPr>
               <a:t>Figure 2. </a:t>
             </a:r>
             <a:r>
-              <a:rPr lang="en-US" altLang="en-US" sz="3300" dirty="0" smtClean="0">
+              <a:rPr lang="en-US" altLang="en-US" sz="3300" dirty="0">
                 <a:latin typeface="Arial" charset="0"/>
               </a:rPr>
               <a:t>SA for different initial architectures</a:t>
             </a:r>
-            <a:endParaRPr lang="en-US" altLang="en-US" sz="3300" dirty="0">
-              <a:latin typeface="Arial" charset="0"/>
-            </a:endParaRPr>
           </a:p>
         </p:txBody>
       </p:sp>
+      <p:pic>
+        <p:nvPicPr>
+          <p:cNvPr id="3" name="Picture 2"/>
+          <p:cNvPicPr>
+            <a:picLocks noChangeAspect="1"/>
+          </p:cNvPicPr>
+          <p:nvPr/>
+        </p:nvPicPr>
+        <p:blipFill>
+          <a:blip r:embed="rId7"/>
+          <a:stretch>
+            <a:fillRect/>
+          </a:stretch>
+        </p:blipFill>
+        <p:spPr>
+          <a:xfrm>
+            <a:off x="11059692" y="21272991"/>
+            <a:ext cx="6902450" cy="2531346"/>
+          </a:xfrm>
+          <a:prstGeom prst="rect">
+            <a:avLst/>
+          </a:prstGeom>
+        </p:spPr>
+      </p:pic>
+      <p:pic>
+        <p:nvPicPr>
+          <p:cNvPr id="7" name="Picture 6"/>
+          <p:cNvPicPr>
+            <a:picLocks noChangeAspect="1"/>
+          </p:cNvPicPr>
+          <p:nvPr/>
+        </p:nvPicPr>
+        <p:blipFill>
+          <a:blip r:embed="rId8"/>
+          <a:stretch>
+            <a:fillRect/>
+          </a:stretch>
+        </p:blipFill>
+        <p:spPr>
+          <a:xfrm>
+            <a:off x="10002927" y="25639111"/>
+            <a:ext cx="8573247" cy="1522352"/>
+          </a:xfrm>
+          <a:prstGeom prst="rect">
+            <a:avLst/>
+          </a:prstGeom>
+        </p:spPr>
+      </p:pic>
+      <p:pic>
+        <p:nvPicPr>
+          <p:cNvPr id="11" name="Picture 10" descr="Capture d’écran 2016-05-02 à 23.43.01.png"/>
+          <p:cNvPicPr>
+            <a:picLocks noChangeAspect="1"/>
+          </p:cNvPicPr>
+          <p:nvPr/>
+        </p:nvPicPr>
+        <p:blipFill>
+          <a:blip r:embed="rId9">
+            <a:extLst>
+              <a:ext uri="{28A0092B-C50C-407E-A947-70E740481C1C}">
+                <a14:useLocalDpi xmlns:a14="http://schemas.microsoft.com/office/drawing/2010/main" val="0"/>
+              </a:ext>
+            </a:extLst>
+          </a:blip>
+          <a:stretch>
+            <a:fillRect/>
+          </a:stretch>
+        </p:blipFill>
+        <p:spPr>
+          <a:xfrm>
+            <a:off x="10012199" y="15302245"/>
+            <a:ext cx="8915244" cy="853691"/>
+          </a:xfrm>
+          <a:prstGeom prst="rect">
+            <a:avLst/>
+          </a:prstGeom>
+        </p:spPr>
+      </p:pic>
     </p:spTree>
   </p:cSld>
   <p:clrMapOvr>
